--- a/week 6/Slides/06-1 EMAT10007_Reading_Writing_Files.pptx
+++ b/week 6/Slides/06-1 EMAT10007_Reading_Writing_Files.pptx
@@ -5,23 +5,27 @@
     <p:sldMasterId id="2147483648" r:id="rId1"/>
   </p:sldMasterIdLst>
   <p:notesMasterIdLst>
-    <p:notesMasterId r:id="rId16"/>
+    <p:notesMasterId r:id="rId20"/>
   </p:notesMasterIdLst>
   <p:sldIdLst>
     <p:sldId id="260" r:id="rId2"/>
-    <p:sldId id="262" r:id="rId3"/>
-    <p:sldId id="263" r:id="rId4"/>
-    <p:sldId id="258" r:id="rId5"/>
-    <p:sldId id="273" r:id="rId6"/>
-    <p:sldId id="264" r:id="rId7"/>
-    <p:sldId id="274" r:id="rId8"/>
-    <p:sldId id="275" r:id="rId9"/>
-    <p:sldId id="271" r:id="rId10"/>
-    <p:sldId id="272" r:id="rId11"/>
-    <p:sldId id="265" r:id="rId12"/>
-    <p:sldId id="266" r:id="rId13"/>
-    <p:sldId id="267" r:id="rId14"/>
-    <p:sldId id="270" r:id="rId15"/>
+    <p:sldId id="279" r:id="rId3"/>
+    <p:sldId id="262" r:id="rId4"/>
+    <p:sldId id="263" r:id="rId5"/>
+    <p:sldId id="258" r:id="rId6"/>
+    <p:sldId id="273" r:id="rId7"/>
+    <p:sldId id="264" r:id="rId8"/>
+    <p:sldId id="274" r:id="rId9"/>
+    <p:sldId id="275" r:id="rId10"/>
+    <p:sldId id="278" r:id="rId11"/>
+    <p:sldId id="277" r:id="rId12"/>
+    <p:sldId id="280" r:id="rId13"/>
+    <p:sldId id="271" r:id="rId14"/>
+    <p:sldId id="272" r:id="rId15"/>
+    <p:sldId id="265" r:id="rId16"/>
+    <p:sldId id="266" r:id="rId17"/>
+    <p:sldId id="267" r:id="rId18"/>
+    <p:sldId id="270" r:id="rId19"/>
   </p:sldIdLst>
   <p:sldSz cx="12192000" cy="6858000"/>
   <p:notesSz cx="6858000" cy="9144000"/>
@@ -210,7 +214,7 @@
           <a:p>
             <a:fld id="{1AFC2406-82C6-CF4A-B27C-C2F326EF62C1}" type="datetimeFigureOut">
               <a:rPr lang="en-US" smtClean="0"/>
-              <a:t>9/16/20</a:t>
+              <a:t>11/13/20</a:t>
             </a:fld>
             <a:endParaRPr lang="en-US"/>
           </a:p>
@@ -551,7 +555,7 @@
           <a:p>
             <a:fld id="{BD139FA2-8E58-2E43-97D7-A2CDE6C43EB2}" type="slidenum">
               <a:rPr lang="en-US" smtClean="0"/>
-              <a:t>9</a:t>
+              <a:t>13</a:t>
             </a:fld>
             <a:endParaRPr lang="en-US"/>
           </a:p>
@@ -701,7 +705,7 @@
           <a:p>
             <a:fld id="{54FF0283-3405-0C49-9DF2-C2137628C46D}" type="datetimeFigureOut">
               <a:rPr lang="en-US" smtClean="0"/>
-              <a:t>9/16/20</a:t>
+              <a:t>11/13/20</a:t>
             </a:fld>
             <a:endParaRPr lang="en-US"/>
           </a:p>
@@ -871,7 +875,7 @@
           <a:p>
             <a:fld id="{54FF0283-3405-0C49-9DF2-C2137628C46D}" type="datetimeFigureOut">
               <a:rPr lang="en-US" smtClean="0"/>
-              <a:t>9/16/20</a:t>
+              <a:t>11/13/20</a:t>
             </a:fld>
             <a:endParaRPr lang="en-US"/>
           </a:p>
@@ -1051,7 +1055,7 @@
           <a:p>
             <a:fld id="{54FF0283-3405-0C49-9DF2-C2137628C46D}" type="datetimeFigureOut">
               <a:rPr lang="en-US" smtClean="0"/>
-              <a:t>9/16/20</a:t>
+              <a:t>11/13/20</a:t>
             </a:fld>
             <a:endParaRPr lang="en-US"/>
           </a:p>
@@ -1416,7 +1420,7 @@
           <a:p>
             <a:fld id="{54FF0283-3405-0C49-9DF2-C2137628C46D}" type="datetimeFigureOut">
               <a:rPr lang="en-US" smtClean="0"/>
-              <a:t>9/16/20</a:t>
+              <a:t>11/13/20</a:t>
             </a:fld>
             <a:endParaRPr lang="en-US"/>
           </a:p>
@@ -1662,7 +1666,7 @@
           <a:p>
             <a:fld id="{54FF0283-3405-0C49-9DF2-C2137628C46D}" type="datetimeFigureOut">
               <a:rPr lang="en-US" smtClean="0"/>
-              <a:t>9/16/20</a:t>
+              <a:t>11/13/20</a:t>
             </a:fld>
             <a:endParaRPr lang="en-US"/>
           </a:p>
@@ -1894,7 +1898,7 @@
           <a:p>
             <a:fld id="{54FF0283-3405-0C49-9DF2-C2137628C46D}" type="datetimeFigureOut">
               <a:rPr lang="en-US" smtClean="0"/>
-              <a:t>9/16/20</a:t>
+              <a:t>11/13/20</a:t>
             </a:fld>
             <a:endParaRPr lang="en-US"/>
           </a:p>
@@ -2261,7 +2265,7 @@
           <a:p>
             <a:fld id="{54FF0283-3405-0C49-9DF2-C2137628C46D}" type="datetimeFigureOut">
               <a:rPr lang="en-US" smtClean="0"/>
-              <a:t>9/16/20</a:t>
+              <a:t>11/13/20</a:t>
             </a:fld>
             <a:endParaRPr lang="en-US"/>
           </a:p>
@@ -2379,7 +2383,7 @@
           <a:p>
             <a:fld id="{54FF0283-3405-0C49-9DF2-C2137628C46D}" type="datetimeFigureOut">
               <a:rPr lang="en-US" smtClean="0"/>
-              <a:t>9/16/20</a:t>
+              <a:t>11/13/20</a:t>
             </a:fld>
             <a:endParaRPr lang="en-US"/>
           </a:p>
@@ -2474,7 +2478,7 @@
           <a:p>
             <a:fld id="{54FF0283-3405-0C49-9DF2-C2137628C46D}" type="datetimeFigureOut">
               <a:rPr lang="en-US" smtClean="0"/>
-              <a:t>9/16/20</a:t>
+              <a:t>11/13/20</a:t>
             </a:fld>
             <a:endParaRPr lang="en-US"/>
           </a:p>
@@ -2751,7 +2755,7 @@
           <a:p>
             <a:fld id="{54FF0283-3405-0C49-9DF2-C2137628C46D}" type="datetimeFigureOut">
               <a:rPr lang="en-US" smtClean="0"/>
-              <a:t>9/16/20</a:t>
+              <a:t>11/13/20</a:t>
             </a:fld>
             <a:endParaRPr lang="en-US"/>
           </a:p>
@@ -3004,7 +3008,7 @@
           <a:p>
             <a:fld id="{54FF0283-3405-0C49-9DF2-C2137628C46D}" type="datetimeFigureOut">
               <a:rPr lang="en-US" smtClean="0"/>
-              <a:t>9/16/20</a:t>
+              <a:t>11/13/20</a:t>
             </a:fld>
             <a:endParaRPr lang="en-US"/>
           </a:p>
@@ -3217,7 +3221,7 @@
           <a:p>
             <a:fld id="{54FF0283-3405-0C49-9DF2-C2137628C46D}" type="datetimeFigureOut">
               <a:rPr lang="en-US" smtClean="0"/>
-              <a:t>9/16/20</a:t>
+              <a:t>11/13/20</a:t>
             </a:fld>
             <a:endParaRPr lang="en-US"/>
           </a:p>
@@ -3839,6 +3843,2083 @@
           <a:chExt cx="0" cy="0"/>
         </a:xfrm>
       </p:grpSpPr>
+      <p:sp>
+        <p:nvSpPr>
+          <p:cNvPr id="2" name="TextBox 1"/>
+          <p:cNvSpPr txBox="1"/>
+          <p:nvPr/>
+        </p:nvSpPr>
+        <p:spPr>
+          <a:xfrm>
+            <a:off x="3547242" y="299545"/>
+            <a:ext cx="4808483" cy="769441"/>
+          </a:xfrm>
+          <a:prstGeom prst="rect">
+            <a:avLst/>
+          </a:prstGeom>
+          <a:noFill/>
+        </p:spPr>
+        <p:txBody>
+          <a:bodyPr wrap="square" rtlCol="0">
+            <a:spAutoFit/>
+          </a:bodyPr>
+          <a:lstStyle/>
+          <a:p>
+            <a:pPr algn="ctr"/>
+            <a:r>
+              <a:rPr lang="en-US" sz="4400" dirty="0" smtClean="0"/>
+              <a:t>Reading Files</a:t>
+            </a:r>
+            <a:endParaRPr lang="en-US" sz="4400" dirty="0"/>
+          </a:p>
+        </p:txBody>
+      </p:sp>
+      <p:pic>
+        <p:nvPicPr>
+          <p:cNvPr id="3" name="Picture 2"/>
+          <p:cNvPicPr>
+            <a:picLocks noChangeAspect="1"/>
+          </p:cNvPicPr>
+          <p:nvPr/>
+        </p:nvPicPr>
+        <p:blipFill rotWithShape="1">
+          <a:blip r:embed="rId2"/>
+          <a:srcRect b="89015"/>
+          <a:stretch/>
+        </p:blipFill>
+        <p:spPr>
+          <a:xfrm>
+            <a:off x="4253297" y="2776597"/>
+            <a:ext cx="5174339" cy="476688"/>
+          </a:xfrm>
+          <a:prstGeom prst="rect">
+            <a:avLst/>
+          </a:prstGeom>
+        </p:spPr>
+      </p:pic>
+      <p:pic>
+        <p:nvPicPr>
+          <p:cNvPr id="4" name="Picture 3"/>
+          <p:cNvPicPr>
+            <a:picLocks noChangeAspect="1"/>
+          </p:cNvPicPr>
+          <p:nvPr/>
+        </p:nvPicPr>
+        <p:blipFill rotWithShape="1">
+          <a:blip r:embed="rId2"/>
+          <a:srcRect t="22354" b="37302"/>
+          <a:stretch/>
+        </p:blipFill>
+        <p:spPr>
+          <a:xfrm>
+            <a:off x="4253297" y="3253285"/>
+            <a:ext cx="5174339" cy="1750627"/>
+          </a:xfrm>
+          <a:prstGeom prst="rect">
+            <a:avLst/>
+          </a:prstGeom>
+        </p:spPr>
+      </p:pic>
+      <p:sp>
+        <p:nvSpPr>
+          <p:cNvPr id="5" name="init functions is called, self.Num = 3 and self.Den = 4"/>
+          <p:cNvSpPr/>
+          <p:nvPr/>
+        </p:nvSpPr>
+        <p:spPr>
+          <a:xfrm>
+            <a:off x="7633760" y="1724683"/>
+            <a:ext cx="2772460" cy="1145906"/>
+          </a:xfrm>
+          <a:custGeom>
+            <a:avLst/>
+            <a:gdLst/>
+            <a:ahLst/>
+            <a:cxnLst>
+              <a:cxn ang="0">
+                <a:pos x="wd2" y="hd2"/>
+              </a:cxn>
+              <a:cxn ang="5400000">
+                <a:pos x="wd2" y="hd2"/>
+              </a:cxn>
+              <a:cxn ang="10800000">
+                <a:pos x="wd2" y="hd2"/>
+              </a:cxn>
+              <a:cxn ang="16200000">
+                <a:pos x="wd2" y="hd2"/>
+              </a:cxn>
+            </a:cxnLst>
+            <a:rect l="0" t="0" r="r" b="b"/>
+            <a:pathLst>
+              <a:path w="21600" h="21600" extrusionOk="0">
+                <a:moveTo>
+                  <a:pt x="4419" y="0"/>
+                </a:moveTo>
+                <a:cubicBezTo>
+                  <a:pt x="4147" y="0"/>
+                  <a:pt x="3927" y="1432"/>
+                  <a:pt x="3927" y="3205"/>
+                </a:cubicBezTo>
+                <a:lnTo>
+                  <a:pt x="3927" y="12665"/>
+                </a:lnTo>
+                <a:lnTo>
+                  <a:pt x="0" y="21600"/>
+                </a:lnTo>
+                <a:lnTo>
+                  <a:pt x="4297" y="17678"/>
+                </a:lnTo>
+                <a:cubicBezTo>
+                  <a:pt x="4337" y="17747"/>
+                  <a:pt x="4376" y="17841"/>
+                  <a:pt x="4419" y="17841"/>
+                </a:cubicBezTo>
+                <a:lnTo>
+                  <a:pt x="21106" y="17841"/>
+                </a:lnTo>
+                <a:cubicBezTo>
+                  <a:pt x="21379" y="17841"/>
+                  <a:pt x="21600" y="16408"/>
+                  <a:pt x="21600" y="14636"/>
+                </a:cubicBezTo>
+                <a:lnTo>
+                  <a:pt x="21600" y="3205"/>
+                </a:lnTo>
+                <a:cubicBezTo>
+                  <a:pt x="21600" y="1432"/>
+                  <a:pt x="21379" y="0"/>
+                  <a:pt x="21106" y="0"/>
+                </a:cubicBezTo>
+                <a:lnTo>
+                  <a:pt x="4419" y="0"/>
+                </a:lnTo>
+                <a:close/>
+              </a:path>
+            </a:pathLst>
+          </a:custGeom>
+          <a:blipFill>
+            <a:blip r:embed="rId3"/>
+          </a:blipFill>
+          <a:ln w="12700">
+            <a:miter lim="400000"/>
+          </a:ln>
+          <a:effectLst>
+            <a:outerShdw blurRad="25400" dist="25400" dir="2388334" rotWithShape="0">
+              <a:srgbClr val="000000">
+                <a:alpha val="79310"/>
+              </a:srgbClr>
+            </a:outerShdw>
+          </a:effectLst>
+          <a:extLst>
+            <a:ext uri="{C572A759-6A51-4108-AA02-DFA0A04FC94B}">
+              <ma14:wrappingTextBoxFlag xmlns:ma14="http://schemas.microsoft.com/office/mac/drawingml/2011/main" val="1"/>
+            </a:ext>
+          </a:extLst>
+        </p:spPr>
+        <p:txBody>
+          <a:bodyPr lIns="50800" tIns="50800" rIns="50800" bIns="50800" anchor="t"/>
+          <a:lstStyle/>
+          <a:p>
+            <a:pPr algn="r">
+              <a:defRPr sz="1800">
+                <a:solidFill>
+                  <a:srgbClr val="FFFFFF"/>
+                </a:solidFill>
+              </a:defRPr>
+            </a:pPr>
+            <a:endParaRPr b="1" i="1" dirty="0">
+              <a:latin typeface="Helvetica"/>
+              <a:ea typeface="Helvetica"/>
+              <a:cs typeface="Helvetica"/>
+              <a:sym typeface="Helvetica"/>
+            </a:endParaRPr>
+          </a:p>
+        </p:txBody>
+      </p:sp>
+      <p:sp>
+        <p:nvSpPr>
+          <p:cNvPr id="6" name="TextBox 5"/>
+          <p:cNvSpPr txBox="1"/>
+          <p:nvPr/>
+        </p:nvSpPr>
+        <p:spPr>
+          <a:xfrm>
+            <a:off x="8219817" y="1863949"/>
+            <a:ext cx="2121408" cy="718145"/>
+          </a:xfrm>
+          <a:prstGeom prst="rect">
+            <a:avLst/>
+          </a:prstGeom>
+          <a:noFill/>
+          <a:ln w="12700" cap="flat">
+            <a:noFill/>
+            <a:miter lim="400000"/>
+          </a:ln>
+          <a:effectLst/>
+          <a:sp3d/>
+        </p:spPr>
+        <p:style>
+          <a:lnRef idx="0">
+            <a:scrgbClr r="0" g="0" b="0"/>
+          </a:lnRef>
+          <a:fillRef idx="0">
+            <a:scrgbClr r="0" g="0" b="0"/>
+          </a:fillRef>
+          <a:effectRef idx="0">
+            <a:scrgbClr r="0" g="0" b="0"/>
+          </a:effectRef>
+          <a:fontRef idx="none"/>
+        </p:style>
+        <p:txBody>
+          <a:bodyPr rot="0" spcFirstLastPara="1" vertOverflow="overflow" horzOverflow="overflow" vert="horz" wrap="square" lIns="50800" tIns="50800" rIns="50800" bIns="50800" numCol="1" spcCol="38100" rtlCol="0" anchor="ctr">
+            <a:spAutoFit/>
+          </a:bodyPr>
+          <a:lstStyle/>
+          <a:p>
+            <a:pPr marL="0" marR="0" indent="0" algn="ctr" defTabSz="584200" rtl="0" fontAlgn="auto" latinLnBrk="0" hangingPunct="0">
+              <a:lnSpc>
+                <a:spcPct val="100000"/>
+              </a:lnSpc>
+              <a:spcBef>
+                <a:spcPts val="0"/>
+              </a:spcBef>
+              <a:spcAft>
+                <a:spcPts val="0"/>
+              </a:spcAft>
+              <a:buClrTx/>
+              <a:buSzTx/>
+              <a:buFontTx/>
+              <a:buNone/>
+              <a:tabLst/>
+            </a:pPr>
+            <a:r>
+              <a:rPr kumimoji="0" lang="en-GB" sz="2000" b="0" i="0" u="none" strike="noStrike" cap="none" spc="0" normalizeH="0" baseline="0" dirty="0" smtClean="0">
+                <a:ln>
+                  <a:noFill/>
+                </a:ln>
+                <a:solidFill>
+                  <a:schemeClr val="bg1"/>
+                </a:solidFill>
+                <a:effectLst/>
+                <a:uFillTx/>
+                <a:latin typeface="+mn-lt"/>
+                <a:ea typeface="+mn-ea"/>
+                <a:cs typeface="+mn-cs"/>
+                <a:sym typeface="Helvetica Light"/>
+              </a:rPr>
+              <a:t>File is an </a:t>
+            </a:r>
+            <a:r>
+              <a:rPr kumimoji="0" lang="en-GB" sz="2000" b="0" i="0" u="none" strike="noStrike" cap="none" spc="0" normalizeH="0" baseline="0" dirty="0" err="1" smtClean="0">
+                <a:ln>
+                  <a:noFill/>
+                </a:ln>
+                <a:solidFill>
+                  <a:schemeClr val="bg1"/>
+                </a:solidFill>
+                <a:effectLst/>
+                <a:uFillTx/>
+                <a:latin typeface="+mn-lt"/>
+                <a:ea typeface="+mn-ea"/>
+                <a:cs typeface="+mn-cs"/>
+                <a:sym typeface="Helvetica Light"/>
+              </a:rPr>
+              <a:t>iterable</a:t>
+            </a:r>
+            <a:r>
+              <a:rPr lang="en-GB" sz="2000" dirty="0">
+                <a:solidFill>
+                  <a:schemeClr val="bg1"/>
+                </a:solidFill>
+                <a:sym typeface="Helvetica Light"/>
+              </a:rPr>
+              <a:t> </a:t>
+            </a:r>
+            <a:r>
+              <a:rPr lang="en-GB" sz="2000" dirty="0" smtClean="0">
+                <a:solidFill>
+                  <a:schemeClr val="bg1"/>
+                </a:solidFill>
+                <a:sym typeface="Helvetica Light"/>
+              </a:rPr>
+              <a:t>object</a:t>
+            </a:r>
+            <a:endParaRPr kumimoji="0" lang="en-US" sz="2000" i="0" u="none" strike="noStrike" cap="none" spc="0" normalizeH="0" baseline="0" dirty="0">
+              <a:ln>
+                <a:noFill/>
+              </a:ln>
+              <a:solidFill>
+                <a:schemeClr val="bg1"/>
+              </a:solidFill>
+              <a:effectLst/>
+              <a:uFillTx/>
+              <a:latin typeface="+mn-lt"/>
+              <a:ea typeface="+mn-ea"/>
+              <a:cs typeface="+mn-cs"/>
+              <a:sym typeface="Helvetica Light"/>
+            </a:endParaRPr>
+          </a:p>
+        </p:txBody>
+      </p:sp>
+      <p:sp>
+        <p:nvSpPr>
+          <p:cNvPr id="9" name="init functions is called, self.Num = 3 and self.Den = 4"/>
+          <p:cNvSpPr/>
+          <p:nvPr/>
+        </p:nvSpPr>
+        <p:spPr>
+          <a:xfrm flipH="1">
+            <a:off x="1273614" y="2441988"/>
+            <a:ext cx="2979683" cy="1145906"/>
+          </a:xfrm>
+          <a:custGeom>
+            <a:avLst/>
+            <a:gdLst/>
+            <a:ahLst/>
+            <a:cxnLst>
+              <a:cxn ang="0">
+                <a:pos x="wd2" y="hd2"/>
+              </a:cxn>
+              <a:cxn ang="5400000">
+                <a:pos x="wd2" y="hd2"/>
+              </a:cxn>
+              <a:cxn ang="10800000">
+                <a:pos x="wd2" y="hd2"/>
+              </a:cxn>
+              <a:cxn ang="16200000">
+                <a:pos x="wd2" y="hd2"/>
+              </a:cxn>
+            </a:cxnLst>
+            <a:rect l="0" t="0" r="r" b="b"/>
+            <a:pathLst>
+              <a:path w="21600" h="21600" extrusionOk="0">
+                <a:moveTo>
+                  <a:pt x="4419" y="0"/>
+                </a:moveTo>
+                <a:cubicBezTo>
+                  <a:pt x="4147" y="0"/>
+                  <a:pt x="3927" y="1432"/>
+                  <a:pt x="3927" y="3205"/>
+                </a:cubicBezTo>
+                <a:lnTo>
+                  <a:pt x="3927" y="12665"/>
+                </a:lnTo>
+                <a:lnTo>
+                  <a:pt x="0" y="21600"/>
+                </a:lnTo>
+                <a:lnTo>
+                  <a:pt x="4297" y="17678"/>
+                </a:lnTo>
+                <a:cubicBezTo>
+                  <a:pt x="4337" y="17747"/>
+                  <a:pt x="4376" y="17841"/>
+                  <a:pt x="4419" y="17841"/>
+                </a:cubicBezTo>
+                <a:lnTo>
+                  <a:pt x="21106" y="17841"/>
+                </a:lnTo>
+                <a:cubicBezTo>
+                  <a:pt x="21379" y="17841"/>
+                  <a:pt x="21600" y="16408"/>
+                  <a:pt x="21600" y="14636"/>
+                </a:cubicBezTo>
+                <a:lnTo>
+                  <a:pt x="21600" y="3205"/>
+                </a:lnTo>
+                <a:cubicBezTo>
+                  <a:pt x="21600" y="1432"/>
+                  <a:pt x="21379" y="0"/>
+                  <a:pt x="21106" y="0"/>
+                </a:cubicBezTo>
+                <a:lnTo>
+                  <a:pt x="4419" y="0"/>
+                </a:lnTo>
+                <a:close/>
+              </a:path>
+            </a:pathLst>
+          </a:custGeom>
+          <a:blipFill>
+            <a:blip r:embed="rId3"/>
+          </a:blipFill>
+          <a:ln w="12700">
+            <a:miter lim="400000"/>
+          </a:ln>
+          <a:effectLst>
+            <a:outerShdw blurRad="25400" dist="25400" dir="2388334" rotWithShape="0">
+              <a:srgbClr val="000000">
+                <a:alpha val="79310"/>
+              </a:srgbClr>
+            </a:outerShdw>
+          </a:effectLst>
+          <a:extLst>
+            <a:ext uri="{C572A759-6A51-4108-AA02-DFA0A04FC94B}">
+              <ma14:wrappingTextBoxFlag xmlns:ma14="http://schemas.microsoft.com/office/mac/drawingml/2011/main" val="1"/>
+            </a:ext>
+          </a:extLst>
+        </p:spPr>
+        <p:txBody>
+          <a:bodyPr lIns="50800" tIns="50800" rIns="50800" bIns="50800" anchor="t"/>
+          <a:lstStyle/>
+          <a:p>
+            <a:pPr algn="r">
+              <a:defRPr sz="1800">
+                <a:solidFill>
+                  <a:srgbClr val="FFFFFF"/>
+                </a:solidFill>
+              </a:defRPr>
+            </a:pPr>
+            <a:endParaRPr b="1" i="1" dirty="0">
+              <a:latin typeface="Helvetica"/>
+              <a:ea typeface="Helvetica"/>
+              <a:cs typeface="Helvetica"/>
+              <a:sym typeface="Helvetica"/>
+            </a:endParaRPr>
+          </a:p>
+        </p:txBody>
+      </p:sp>
+      <p:sp>
+        <p:nvSpPr>
+          <p:cNvPr id="10" name="TextBox 9"/>
+          <p:cNvSpPr txBox="1"/>
+          <p:nvPr/>
+        </p:nvSpPr>
+        <p:spPr>
+          <a:xfrm>
+            <a:off x="1273614" y="2540365"/>
+            <a:ext cx="2443597" cy="718145"/>
+          </a:xfrm>
+          <a:prstGeom prst="rect">
+            <a:avLst/>
+          </a:prstGeom>
+          <a:noFill/>
+          <a:ln w="12700" cap="flat">
+            <a:noFill/>
+            <a:miter lim="400000"/>
+          </a:ln>
+          <a:effectLst/>
+          <a:sp3d/>
+        </p:spPr>
+        <p:style>
+          <a:lnRef idx="0">
+            <a:scrgbClr r="0" g="0" b="0"/>
+          </a:lnRef>
+          <a:fillRef idx="0">
+            <a:scrgbClr r="0" g="0" b="0"/>
+          </a:fillRef>
+          <a:effectRef idx="0">
+            <a:scrgbClr r="0" g="0" b="0"/>
+          </a:effectRef>
+          <a:fontRef idx="none"/>
+        </p:style>
+        <p:txBody>
+          <a:bodyPr rot="0" spcFirstLastPara="1" vertOverflow="overflow" horzOverflow="overflow" vert="horz" wrap="square" lIns="50800" tIns="50800" rIns="50800" bIns="50800" numCol="1" spcCol="38100" rtlCol="0" anchor="ctr">
+            <a:spAutoFit/>
+          </a:bodyPr>
+          <a:lstStyle/>
+          <a:p>
+            <a:pPr marL="0" marR="0" indent="0" algn="ctr" defTabSz="584200" rtl="0" fontAlgn="auto" latinLnBrk="0" hangingPunct="0">
+              <a:lnSpc>
+                <a:spcPct val="100000"/>
+              </a:lnSpc>
+              <a:spcBef>
+                <a:spcPts val="0"/>
+              </a:spcBef>
+              <a:spcAft>
+                <a:spcPts val="0"/>
+              </a:spcAft>
+              <a:buClrTx/>
+              <a:buSzTx/>
+              <a:buFontTx/>
+              <a:buNone/>
+              <a:tabLst/>
+            </a:pPr>
+            <a:r>
+              <a:rPr lang="en-GB" sz="2000" dirty="0" smtClean="0">
+                <a:solidFill>
+                  <a:schemeClr val="bg1"/>
+                </a:solidFill>
+                <a:sym typeface="Helvetica Light"/>
+              </a:rPr>
+              <a:t>Each item (line) is a string </a:t>
+            </a:r>
+            <a:endParaRPr kumimoji="0" lang="en-US" sz="2000" i="0" u="none" strike="noStrike" cap="none" spc="0" normalizeH="0" baseline="0" dirty="0">
+              <a:ln>
+                <a:noFill/>
+              </a:ln>
+              <a:solidFill>
+                <a:schemeClr val="bg1"/>
+              </a:solidFill>
+              <a:effectLst/>
+              <a:uFillTx/>
+              <a:latin typeface="+mn-lt"/>
+              <a:ea typeface="+mn-ea"/>
+              <a:cs typeface="+mn-cs"/>
+              <a:sym typeface="Helvetica Light"/>
+            </a:endParaRPr>
+          </a:p>
+        </p:txBody>
+      </p:sp>
+    </p:spTree>
+    <p:extLst>
+      <p:ext uri="{BB962C8B-B14F-4D97-AF65-F5344CB8AC3E}">
+        <p14:creationId xmlns:p14="http://schemas.microsoft.com/office/powerpoint/2010/main" val="451038531"/>
+      </p:ext>
+    </p:extLst>
+  </p:cSld>
+  <p:clrMapOvr>
+    <a:masterClrMapping/>
+  </p:clrMapOvr>
+  <p:timing>
+    <p:tnLst>
+      <p:par>
+        <p:cTn id="1" dur="indefinite" restart="never" nodeType="tmRoot"/>
+      </p:par>
+    </p:tnLst>
+  </p:timing>
+</p:sld>
+</file>
+
+<file path=ppt/slides/slide11.xml><?xml version="1.0" encoding="utf-8"?>
+<p:sld xmlns:a="http://schemas.openxmlformats.org/drawingml/2006/main" xmlns:r="http://schemas.openxmlformats.org/officeDocument/2006/relationships" xmlns:p="http://schemas.openxmlformats.org/presentationml/2006/main">
+  <p:cSld>
+    <p:spTree>
+      <p:nvGrpSpPr>
+        <p:cNvPr id="1" name=""/>
+        <p:cNvGrpSpPr/>
+        <p:nvPr/>
+      </p:nvGrpSpPr>
+      <p:grpSpPr>
+        <a:xfrm>
+          <a:off x="0" y="0"/>
+          <a:ext cx="0" cy="0"/>
+          <a:chOff x="0" y="0"/>
+          <a:chExt cx="0" cy="0"/>
+        </a:xfrm>
+      </p:grpSpPr>
+      <p:pic>
+        <p:nvPicPr>
+          <p:cNvPr id="17" name="Picture 16"/>
+          <p:cNvPicPr>
+            <a:picLocks noChangeAspect="1"/>
+          </p:cNvPicPr>
+          <p:nvPr/>
+        </p:nvPicPr>
+        <p:blipFill rotWithShape="1">
+          <a:blip r:embed="rId2"/>
+          <a:srcRect t="49975"/>
+          <a:stretch/>
+        </p:blipFill>
+        <p:spPr>
+          <a:xfrm>
+            <a:off x="1000609" y="6034425"/>
+            <a:ext cx="8025057" cy="240871"/>
+          </a:xfrm>
+          <a:prstGeom prst="rect">
+            <a:avLst/>
+          </a:prstGeom>
+        </p:spPr>
+      </p:pic>
+      <p:pic>
+        <p:nvPicPr>
+          <p:cNvPr id="2" name="Picture 1"/>
+          <p:cNvPicPr>
+            <a:picLocks noChangeAspect="1"/>
+          </p:cNvPicPr>
+          <p:nvPr/>
+        </p:nvPicPr>
+        <p:blipFill rotWithShape="1">
+          <a:blip r:embed="rId3"/>
+          <a:srcRect b="14490"/>
+          <a:stretch/>
+        </p:blipFill>
+        <p:spPr>
+          <a:xfrm>
+            <a:off x="912934" y="1473199"/>
+            <a:ext cx="3913151" cy="825277"/>
+          </a:xfrm>
+          <a:prstGeom prst="rect">
+            <a:avLst/>
+          </a:prstGeom>
+          <a:ln>
+            <a:solidFill>
+              <a:schemeClr val="bg1">
+                <a:lumMod val="50000"/>
+              </a:schemeClr>
+            </a:solidFill>
+          </a:ln>
+        </p:spPr>
+      </p:pic>
+      <p:sp>
+        <p:nvSpPr>
+          <p:cNvPr id="3" name="TextBox 2"/>
+          <p:cNvSpPr txBox="1"/>
+          <p:nvPr/>
+        </p:nvSpPr>
+        <p:spPr>
+          <a:xfrm>
+            <a:off x="3547242" y="299545"/>
+            <a:ext cx="4808483" cy="769441"/>
+          </a:xfrm>
+          <a:prstGeom prst="rect">
+            <a:avLst/>
+          </a:prstGeom>
+          <a:noFill/>
+        </p:spPr>
+        <p:txBody>
+          <a:bodyPr wrap="square" rtlCol="0">
+            <a:spAutoFit/>
+          </a:bodyPr>
+          <a:lstStyle/>
+          <a:p>
+            <a:pPr algn="ctr"/>
+            <a:r>
+              <a:rPr lang="en-US" sz="4400" dirty="0" smtClean="0"/>
+              <a:t>Reading Files</a:t>
+            </a:r>
+            <a:endParaRPr lang="en-US" sz="4400" dirty="0"/>
+          </a:p>
+        </p:txBody>
+      </p:sp>
+      <p:pic>
+        <p:nvPicPr>
+          <p:cNvPr id="4" name="Picture 3"/>
+          <p:cNvPicPr>
+            <a:picLocks noChangeAspect="1"/>
+          </p:cNvPicPr>
+          <p:nvPr/>
+        </p:nvPicPr>
+        <p:blipFill rotWithShape="1">
+          <a:blip r:embed="rId4"/>
+          <a:srcRect t="4557"/>
+          <a:stretch/>
+        </p:blipFill>
+        <p:spPr>
+          <a:xfrm>
+            <a:off x="912934" y="2478870"/>
+            <a:ext cx="1172210" cy="1074637"/>
+          </a:xfrm>
+          <a:prstGeom prst="rect">
+            <a:avLst/>
+          </a:prstGeom>
+        </p:spPr>
+      </p:pic>
+      <p:pic>
+        <p:nvPicPr>
+          <p:cNvPr id="5" name="Picture 4"/>
+          <p:cNvPicPr>
+            <a:picLocks noChangeAspect="1"/>
+          </p:cNvPicPr>
+          <p:nvPr/>
+        </p:nvPicPr>
+        <p:blipFill>
+          <a:blip r:embed="rId5"/>
+          <a:stretch>
+            <a:fillRect/>
+          </a:stretch>
+        </p:blipFill>
+        <p:spPr>
+          <a:xfrm>
+            <a:off x="1000609" y="3985482"/>
+            <a:ext cx="4378860" cy="1253491"/>
+          </a:xfrm>
+          <a:prstGeom prst="rect">
+            <a:avLst/>
+          </a:prstGeom>
+          <a:ln>
+            <a:solidFill>
+              <a:schemeClr val="bg1">
+                <a:lumMod val="50000"/>
+              </a:schemeClr>
+            </a:solidFill>
+          </a:ln>
+        </p:spPr>
+      </p:pic>
+      <p:pic>
+        <p:nvPicPr>
+          <p:cNvPr id="6" name="Picture 5"/>
+          <p:cNvPicPr>
+            <a:picLocks noChangeAspect="1"/>
+          </p:cNvPicPr>
+          <p:nvPr/>
+        </p:nvPicPr>
+        <p:blipFill rotWithShape="1">
+          <a:blip r:embed="rId2"/>
+          <a:srcRect b="48296"/>
+          <a:stretch/>
+        </p:blipFill>
+        <p:spPr>
+          <a:xfrm>
+            <a:off x="1000609" y="5419367"/>
+            <a:ext cx="8109700" cy="251581"/>
+          </a:xfrm>
+          <a:prstGeom prst="rect">
+            <a:avLst/>
+          </a:prstGeom>
+        </p:spPr>
+      </p:pic>
+      <p:sp>
+        <p:nvSpPr>
+          <p:cNvPr id="10" name="Right Brace 9"/>
+          <p:cNvSpPr/>
+          <p:nvPr/>
+        </p:nvSpPr>
+        <p:spPr>
+          <a:xfrm>
+            <a:off x="2162286" y="2382051"/>
+            <a:ext cx="441064" cy="1074637"/>
+          </a:xfrm>
+          <a:prstGeom prst="rightBrace">
+            <a:avLst/>
+          </a:prstGeom>
+        </p:spPr>
+        <p:style>
+          <a:lnRef idx="1">
+            <a:schemeClr val="accent1"/>
+          </a:lnRef>
+          <a:fillRef idx="0">
+            <a:schemeClr val="accent1"/>
+          </a:fillRef>
+          <a:effectRef idx="0">
+            <a:schemeClr val="accent1"/>
+          </a:effectRef>
+          <a:fontRef idx="minor">
+            <a:schemeClr val="tx1"/>
+          </a:fontRef>
+        </p:style>
+        <p:txBody>
+          <a:bodyPr rtlCol="0" anchor="ctr"/>
+          <a:lstStyle/>
+          <a:p>
+            <a:pPr algn="ctr"/>
+            <a:endParaRPr lang="en-US"/>
+          </a:p>
+        </p:txBody>
+      </p:sp>
+      <p:cxnSp>
+        <p:nvCxnSpPr>
+          <p:cNvPr id="12" name="Straight Arrow Connector 11"/>
+          <p:cNvCxnSpPr/>
+          <p:nvPr/>
+        </p:nvCxnSpPr>
+        <p:spPr>
+          <a:xfrm>
+            <a:off x="9025666" y="5550946"/>
+            <a:ext cx="537882" cy="0"/>
+          </a:xfrm>
+          <a:prstGeom prst="straightConnector1">
+            <a:avLst/>
+          </a:prstGeom>
+          <a:ln>
+            <a:tailEnd type="triangle"/>
+          </a:ln>
+        </p:spPr>
+        <p:style>
+          <a:lnRef idx="1">
+            <a:schemeClr val="accent1"/>
+          </a:lnRef>
+          <a:fillRef idx="0">
+            <a:schemeClr val="accent1"/>
+          </a:fillRef>
+          <a:effectRef idx="0">
+            <a:schemeClr val="accent1"/>
+          </a:effectRef>
+          <a:fontRef idx="minor">
+            <a:schemeClr val="tx1"/>
+          </a:fontRef>
+        </p:style>
+      </p:cxnSp>
+      <p:cxnSp>
+        <p:nvCxnSpPr>
+          <p:cNvPr id="13" name="Straight Arrow Connector 12"/>
+          <p:cNvCxnSpPr/>
+          <p:nvPr/>
+        </p:nvCxnSpPr>
+        <p:spPr>
+          <a:xfrm>
+            <a:off x="7860352" y="6131539"/>
+            <a:ext cx="1800000" cy="0"/>
+          </a:xfrm>
+          <a:prstGeom prst="straightConnector1">
+            <a:avLst/>
+          </a:prstGeom>
+          <a:ln>
+            <a:tailEnd type="triangle"/>
+          </a:ln>
+        </p:spPr>
+        <p:style>
+          <a:lnRef idx="1">
+            <a:schemeClr val="accent1"/>
+          </a:lnRef>
+          <a:fillRef idx="0">
+            <a:schemeClr val="accent1"/>
+          </a:fillRef>
+          <a:effectRef idx="0">
+            <a:schemeClr val="accent1"/>
+          </a:effectRef>
+          <a:fontRef idx="minor">
+            <a:schemeClr val="tx1"/>
+          </a:fontRef>
+        </p:style>
+      </p:cxnSp>
+      <p:sp>
+        <p:nvSpPr>
+          <p:cNvPr id="15" name="TextBox 14"/>
+          <p:cNvSpPr txBox="1"/>
+          <p:nvPr/>
+        </p:nvSpPr>
+        <p:spPr>
+          <a:xfrm>
+            <a:off x="2593873" y="2730451"/>
+            <a:ext cx="4464423" cy="369332"/>
+          </a:xfrm>
+          <a:prstGeom prst="rect">
+            <a:avLst/>
+          </a:prstGeom>
+          <a:noFill/>
+        </p:spPr>
+        <p:txBody>
+          <a:bodyPr wrap="square" rtlCol="0">
+            <a:spAutoFit/>
+          </a:bodyPr>
+          <a:lstStyle/>
+          <a:p>
+            <a:r>
+              <a:rPr lang="en-US" dirty="0" smtClean="0">
+                <a:solidFill>
+                  <a:schemeClr val="accent1"/>
+                </a:solidFill>
+              </a:rPr>
+              <a:t>File contents as a </a:t>
+            </a:r>
+            <a:r>
+              <a:rPr lang="en-US" b="1" dirty="0" smtClean="0">
+                <a:solidFill>
+                  <a:schemeClr val="accent1"/>
+                </a:solidFill>
+              </a:rPr>
+              <a:t>single string</a:t>
+            </a:r>
+            <a:endParaRPr lang="en-US" b="1" dirty="0">
+              <a:solidFill>
+                <a:schemeClr val="accent1"/>
+              </a:solidFill>
+            </a:endParaRPr>
+          </a:p>
+        </p:txBody>
+      </p:sp>
+      <p:sp>
+        <p:nvSpPr>
+          <p:cNvPr id="16" name="TextBox 15"/>
+          <p:cNvSpPr txBox="1"/>
+          <p:nvPr/>
+        </p:nvSpPr>
+        <p:spPr>
+          <a:xfrm>
+            <a:off x="9660352" y="5096201"/>
+            <a:ext cx="2531648" cy="646331"/>
+          </a:xfrm>
+          <a:prstGeom prst="rect">
+            <a:avLst/>
+          </a:prstGeom>
+          <a:noFill/>
+        </p:spPr>
+        <p:txBody>
+          <a:bodyPr wrap="square" rtlCol="0">
+            <a:spAutoFit/>
+          </a:bodyPr>
+          <a:lstStyle/>
+          <a:p>
+            <a:r>
+              <a:rPr lang="en-US" dirty="0" smtClean="0">
+                <a:solidFill>
+                  <a:schemeClr val="accent1"/>
+                </a:solidFill>
+              </a:rPr>
+              <a:t>File contents as a </a:t>
+            </a:r>
+            <a:r>
+              <a:rPr lang="en-US" b="1" dirty="0" smtClean="0">
+                <a:solidFill>
+                  <a:schemeClr val="accent1"/>
+                </a:solidFill>
+              </a:rPr>
+              <a:t>list</a:t>
+            </a:r>
+            <a:r>
+              <a:rPr lang="en-US" dirty="0" smtClean="0">
+                <a:solidFill>
+                  <a:schemeClr val="accent1"/>
+                </a:solidFill>
+              </a:rPr>
+              <a:t> of lines as </a:t>
+            </a:r>
+            <a:r>
+              <a:rPr lang="en-US" b="1" dirty="0" smtClean="0">
+                <a:solidFill>
+                  <a:schemeClr val="accent1"/>
+                </a:solidFill>
+              </a:rPr>
+              <a:t>strings</a:t>
+            </a:r>
+            <a:endParaRPr lang="en-US" b="1" dirty="0">
+              <a:solidFill>
+                <a:schemeClr val="accent1"/>
+              </a:solidFill>
+            </a:endParaRPr>
+          </a:p>
+        </p:txBody>
+      </p:sp>
+      <p:sp>
+        <p:nvSpPr>
+          <p:cNvPr id="18" name="TextBox 17"/>
+          <p:cNvSpPr txBox="1"/>
+          <p:nvPr/>
+        </p:nvSpPr>
+        <p:spPr>
+          <a:xfrm>
+            <a:off x="9692394" y="5831694"/>
+            <a:ext cx="2333702" cy="646331"/>
+          </a:xfrm>
+          <a:prstGeom prst="rect">
+            <a:avLst/>
+          </a:prstGeom>
+          <a:noFill/>
+        </p:spPr>
+        <p:txBody>
+          <a:bodyPr wrap="square" rtlCol="0">
+            <a:spAutoFit/>
+          </a:bodyPr>
+          <a:lstStyle/>
+          <a:p>
+            <a:r>
+              <a:rPr lang="en-US" dirty="0" smtClean="0">
+                <a:solidFill>
+                  <a:schemeClr val="accent1"/>
+                </a:solidFill>
+              </a:rPr>
+              <a:t>Newline “/n” removed using </a:t>
+            </a:r>
+            <a:r>
+              <a:rPr lang="en-US" b="1" dirty="0" smtClean="0">
+                <a:solidFill>
+                  <a:schemeClr val="accent1"/>
+                </a:solidFill>
+              </a:rPr>
+              <a:t>strip() </a:t>
+            </a:r>
+            <a:endParaRPr lang="en-US" b="1" dirty="0">
+              <a:solidFill>
+                <a:schemeClr val="accent1"/>
+              </a:solidFill>
+            </a:endParaRPr>
+          </a:p>
+        </p:txBody>
+      </p:sp>
+      <p:sp>
+        <p:nvSpPr>
+          <p:cNvPr id="7" name="Rounded Rectangle 6"/>
+          <p:cNvSpPr/>
+          <p:nvPr/>
+        </p:nvSpPr>
+        <p:spPr>
+          <a:xfrm>
+            <a:off x="2251849" y="1798498"/>
+            <a:ext cx="684048" cy="272902"/>
+          </a:xfrm>
+          <a:prstGeom prst="roundRect">
+            <a:avLst/>
+          </a:prstGeom>
+          <a:solidFill>
+            <a:schemeClr val="accent2">
+              <a:lumMod val="60000"/>
+              <a:lumOff val="40000"/>
+              <a:alpha val="50000"/>
+            </a:schemeClr>
+          </a:solidFill>
+          <a:ln>
+            <a:noFill/>
+          </a:ln>
+        </p:spPr>
+        <p:style>
+          <a:lnRef idx="2">
+            <a:schemeClr val="accent1">
+              <a:shade val="50000"/>
+            </a:schemeClr>
+          </a:lnRef>
+          <a:fillRef idx="1">
+            <a:schemeClr val="accent1"/>
+          </a:fillRef>
+          <a:effectRef idx="0">
+            <a:schemeClr val="accent1"/>
+          </a:effectRef>
+          <a:fontRef idx="minor">
+            <a:schemeClr val="lt1"/>
+          </a:fontRef>
+        </p:style>
+        <p:txBody>
+          <a:bodyPr rtlCol="0" anchor="ctr"/>
+          <a:lstStyle/>
+          <a:p>
+            <a:pPr algn="ctr"/>
+            <a:endParaRPr lang="en-US"/>
+          </a:p>
+        </p:txBody>
+      </p:sp>
+      <p:sp>
+        <p:nvSpPr>
+          <p:cNvPr id="19" name="Rounded Rectangle 18"/>
+          <p:cNvSpPr/>
+          <p:nvPr/>
+        </p:nvSpPr>
+        <p:spPr>
+          <a:xfrm>
+            <a:off x="2261326" y="4213936"/>
+            <a:ext cx="1285916" cy="288616"/>
+          </a:xfrm>
+          <a:prstGeom prst="roundRect">
+            <a:avLst/>
+          </a:prstGeom>
+          <a:solidFill>
+            <a:schemeClr val="accent2">
+              <a:lumMod val="60000"/>
+              <a:lumOff val="40000"/>
+              <a:alpha val="50000"/>
+            </a:schemeClr>
+          </a:solidFill>
+          <a:ln>
+            <a:noFill/>
+          </a:ln>
+        </p:spPr>
+        <p:style>
+          <a:lnRef idx="2">
+            <a:schemeClr val="accent1">
+              <a:shade val="50000"/>
+            </a:schemeClr>
+          </a:lnRef>
+          <a:fillRef idx="1">
+            <a:schemeClr val="accent1"/>
+          </a:fillRef>
+          <a:effectRef idx="0">
+            <a:schemeClr val="accent1"/>
+          </a:effectRef>
+          <a:fontRef idx="minor">
+            <a:schemeClr val="lt1"/>
+          </a:fontRef>
+        </p:style>
+        <p:txBody>
+          <a:bodyPr rtlCol="0" anchor="ctr"/>
+          <a:lstStyle/>
+          <a:p>
+            <a:pPr algn="ctr"/>
+            <a:endParaRPr lang="en-US"/>
+          </a:p>
+        </p:txBody>
+      </p:sp>
+    </p:spTree>
+    <p:extLst>
+      <p:ext uri="{BB962C8B-B14F-4D97-AF65-F5344CB8AC3E}">
+        <p14:creationId xmlns:p14="http://schemas.microsoft.com/office/powerpoint/2010/main" val="140493294"/>
+      </p:ext>
+    </p:extLst>
+  </p:cSld>
+  <p:clrMapOvr>
+    <a:masterClrMapping/>
+  </p:clrMapOvr>
+  <p:timing>
+    <p:tnLst>
+      <p:par>
+        <p:cTn id="1" dur="indefinite" restart="never" nodeType="tmRoot"/>
+      </p:par>
+    </p:tnLst>
+  </p:timing>
+</p:sld>
+</file>
+
+<file path=ppt/slides/slide12.xml><?xml version="1.0" encoding="utf-8"?>
+<p:sld xmlns:a="http://schemas.openxmlformats.org/drawingml/2006/main" xmlns:r="http://schemas.openxmlformats.org/officeDocument/2006/relationships" xmlns:p="http://schemas.openxmlformats.org/presentationml/2006/main">
+  <p:cSld>
+    <p:spTree>
+      <p:nvGrpSpPr>
+        <p:cNvPr id="1" name=""/>
+        <p:cNvGrpSpPr/>
+        <p:nvPr/>
+      </p:nvGrpSpPr>
+      <p:grpSpPr>
+        <a:xfrm>
+          <a:off x="0" y="0"/>
+          <a:ext cx="0" cy="0"/>
+          <a:chOff x="0" y="0"/>
+          <a:chExt cx="0" cy="0"/>
+        </a:xfrm>
+      </p:grpSpPr>
+      <p:sp>
+        <p:nvSpPr>
+          <p:cNvPr id="119" name="Introduction to Computer Programming Lecture 2:…"/>
+          <p:cNvSpPr txBox="1">
+            <a:spLocks noGrp="1"/>
+          </p:cNvSpPr>
+          <p:nvPr>
+            <p:ph type="ctrTitle"/>
+          </p:nvPr>
+        </p:nvSpPr>
+        <p:spPr>
+          <a:xfrm>
+            <a:off x="2255044" y="1296954"/>
+            <a:ext cx="7358063" cy="2321719"/>
+          </a:xfrm>
+          <a:prstGeom prst="rect">
+            <a:avLst/>
+          </a:prstGeom>
+        </p:spPr>
+        <p:txBody>
+          <a:bodyPr>
+            <a:normAutofit fontScale="90000"/>
+          </a:bodyPr>
+          <a:lstStyle/>
+          <a:p>
+            <a:pPr defTabSz="213590">
+              <a:defRPr sz="4160"/>
+            </a:pPr>
+            <a:r>
+              <a:rPr dirty="0"/>
+              <a:t>Introduction to Computer Programming Lecture </a:t>
+            </a:r>
+            <a:r>
+              <a:rPr lang="en-GB" dirty="0" smtClean="0"/>
+              <a:t>6.1.b</a:t>
+            </a:r>
+            <a:r>
+              <a:rPr dirty="0" smtClean="0"/>
+              <a:t>:</a:t>
+            </a:r>
+            <a:endParaRPr dirty="0"/>
+          </a:p>
+          <a:p>
+            <a:pPr defTabSz="213590">
+              <a:defRPr sz="4160"/>
+            </a:pPr>
+            <a:r>
+              <a:rPr dirty="0"/>
+              <a:t> </a:t>
+            </a:r>
+          </a:p>
+          <a:p>
+            <a:pPr defTabSz="213590">
+              <a:defRPr sz="4160" b="1">
+                <a:latin typeface="Helvetica"/>
+                <a:ea typeface="Helvetica"/>
+                <a:cs typeface="Helvetica"/>
+                <a:sym typeface="Helvetica"/>
+              </a:defRPr>
+            </a:pPr>
+            <a:r>
+              <a:rPr lang="en-US" dirty="0" smtClean="0"/>
+              <a:t>Automatically Closing Files,</a:t>
+            </a:r>
+            <a:br>
+              <a:rPr lang="en-US" dirty="0" smtClean="0"/>
+            </a:br>
+            <a:r>
+              <a:rPr lang="en-US" dirty="0" smtClean="0"/>
+              <a:t>User Input</a:t>
+            </a:r>
+            <a:endParaRPr dirty="0"/>
+          </a:p>
+        </p:txBody>
+      </p:sp>
+      <p:sp>
+        <p:nvSpPr>
+          <p:cNvPr id="120" name="Department of Engineering Mathematics"/>
+          <p:cNvSpPr txBox="1"/>
+          <p:nvPr/>
+        </p:nvSpPr>
+        <p:spPr>
+          <a:xfrm>
+            <a:off x="2112169" y="4870361"/>
+            <a:ext cx="7358063" cy="794743"/>
+          </a:xfrm>
+          <a:prstGeom prst="rect">
+            <a:avLst/>
+          </a:prstGeom>
+          <a:ln w="12700">
+            <a:miter lim="400000"/>
+          </a:ln>
+          <a:extLst>
+            <a:ext uri="{C572A759-6A51-4108-AA02-DFA0A04FC94B}">
+              <ma14:wrappingTextBoxFlag xmlns:ma14="http://schemas.microsoft.com/office/mac/drawingml/2011/main" val="1"/>
+            </a:ext>
+          </a:extLst>
+        </p:spPr>
+        <p:txBody>
+          <a:bodyPr lIns="35719" tIns="35719" rIns="35719" bIns="35719">
+            <a:normAutofit/>
+          </a:bodyPr>
+          <a:lstStyle/>
+          <a:p>
+            <a:pPr algn="ctr" defTabSz="221806">
+              <a:defRPr sz="2268"/>
+            </a:pPr>
+            <a:r>
+              <a:rPr sz="1595" dirty="0"/>
+              <a:t>Department of Engineering Mathematics</a:t>
+            </a:r>
+          </a:p>
+          <a:p>
+            <a:pPr defTabSz="221806">
+              <a:defRPr sz="2268"/>
+            </a:pPr>
+            <a:endParaRPr sz="1595" dirty="0"/>
+          </a:p>
+        </p:txBody>
+      </p:sp>
+      <p:sp>
+        <p:nvSpPr>
+          <p:cNvPr id="122" name="Helmut Hauser"/>
+          <p:cNvSpPr txBox="1"/>
+          <p:nvPr/>
+        </p:nvSpPr>
+        <p:spPr>
+          <a:xfrm>
+            <a:off x="2255044" y="4472990"/>
+            <a:ext cx="7358063" cy="794742"/>
+          </a:xfrm>
+          <a:prstGeom prst="rect">
+            <a:avLst/>
+          </a:prstGeom>
+          <a:ln w="12700">
+            <a:miter lim="400000"/>
+          </a:ln>
+          <a:extLst>
+            <a:ext uri="{C572A759-6A51-4108-AA02-DFA0A04FC94B}">
+              <ma14:wrappingTextBoxFlag xmlns:ma14="http://schemas.microsoft.com/office/mac/drawingml/2011/main" val="1"/>
+            </a:ext>
+          </a:extLst>
+        </p:spPr>
+        <p:txBody>
+          <a:bodyPr lIns="35719" tIns="35719" rIns="35719" bIns="35719">
+            <a:normAutofit/>
+          </a:bodyPr>
+          <a:lstStyle/>
+          <a:p>
+            <a:pPr algn="ctr" defTabSz="221806">
+              <a:defRPr sz="3294"/>
+            </a:pPr>
+            <a:r>
+              <a:rPr lang="en-GB" sz="2316" dirty="0"/>
+              <a:t>Hemma Philamore </a:t>
+            </a:r>
+            <a:endParaRPr sz="2316" dirty="0"/>
+          </a:p>
+          <a:p>
+            <a:pPr defTabSz="221806">
+              <a:defRPr sz="1728"/>
+            </a:pPr>
+            <a:endParaRPr sz="1215" dirty="0"/>
+          </a:p>
+        </p:txBody>
+      </p:sp>
+    </p:spTree>
+    <p:extLst>
+      <p:ext uri="{BB962C8B-B14F-4D97-AF65-F5344CB8AC3E}">
+        <p14:creationId xmlns:p14="http://schemas.microsoft.com/office/powerpoint/2010/main" val="2010159994"/>
+      </p:ext>
+    </p:extLst>
+  </p:cSld>
+  <p:clrMapOvr>
+    <a:masterClrMapping/>
+  </p:clrMapOvr>
+  <mc:AlternateContent xmlns:mc="http://schemas.openxmlformats.org/markup-compatibility/2006" xmlns:p14="http://schemas.microsoft.com/office/powerpoint/2010/main">
+    <mc:Choice Requires="p14">
+      <p:transition spd="slow" p14:dur="2000"/>
+    </mc:Choice>
+    <mc:Fallback xmlns="">
+      <p:transition spd="slow"/>
+    </mc:Fallback>
+  </mc:AlternateContent>
+</p:sld>
+</file>
+
+<file path=ppt/slides/slide13.xml><?xml version="1.0" encoding="utf-8"?>
+<p:sld xmlns:a="http://schemas.openxmlformats.org/drawingml/2006/main" xmlns:r="http://schemas.openxmlformats.org/officeDocument/2006/relationships" xmlns:p="http://schemas.openxmlformats.org/presentationml/2006/main">
+  <p:cSld>
+    <p:spTree>
+      <p:nvGrpSpPr>
+        <p:cNvPr id="1" name=""/>
+        <p:cNvGrpSpPr/>
+        <p:nvPr/>
+      </p:nvGrpSpPr>
+      <p:grpSpPr>
+        <a:xfrm>
+          <a:off x="0" y="0"/>
+          <a:ext cx="0" cy="0"/>
+          <a:chOff x="0" y="0"/>
+          <a:chExt cx="0" cy="0"/>
+        </a:xfrm>
+      </p:grpSpPr>
+      <p:pic>
+        <p:nvPicPr>
+          <p:cNvPr id="12" name="Picture 11"/>
+          <p:cNvPicPr>
+            <a:picLocks noChangeAspect="1"/>
+          </p:cNvPicPr>
+          <p:nvPr/>
+        </p:nvPicPr>
+        <p:blipFill>
+          <a:blip r:embed="rId3"/>
+          <a:stretch>
+            <a:fillRect/>
+          </a:stretch>
+        </p:blipFill>
+        <p:spPr>
+          <a:xfrm>
+            <a:off x="4256144" y="1335372"/>
+            <a:ext cx="3786581" cy="1308726"/>
+          </a:xfrm>
+          <a:prstGeom prst="rect">
+            <a:avLst/>
+          </a:prstGeom>
+        </p:spPr>
+      </p:pic>
+      <p:sp>
+        <p:nvSpPr>
+          <p:cNvPr id="3" name="TextBox 2"/>
+          <p:cNvSpPr txBox="1"/>
+          <p:nvPr/>
+        </p:nvSpPr>
+        <p:spPr>
+          <a:xfrm>
+            <a:off x="1923393" y="252249"/>
+            <a:ext cx="8150772" cy="769441"/>
+          </a:xfrm>
+          <a:prstGeom prst="rect">
+            <a:avLst/>
+          </a:prstGeom>
+          <a:noFill/>
+        </p:spPr>
+        <p:txBody>
+          <a:bodyPr wrap="square" rtlCol="0">
+            <a:spAutoFit/>
+          </a:bodyPr>
+          <a:lstStyle/>
+          <a:p>
+            <a:pPr algn="ctr"/>
+            <a:r>
+              <a:rPr lang="en-US" sz="4400" dirty="0" smtClean="0"/>
+              <a:t>Automatically close files using </a:t>
+            </a:r>
+            <a:r>
+              <a:rPr lang="en-US" sz="4400" b="1" dirty="0" smtClean="0"/>
+              <a:t>with</a:t>
+            </a:r>
+            <a:endParaRPr lang="en-US" sz="4400" b="1" dirty="0"/>
+          </a:p>
+        </p:txBody>
+      </p:sp>
+      <p:sp>
+        <p:nvSpPr>
+          <p:cNvPr id="6" name="init functions is called, self.Num = 3 and self.Den = 4"/>
+          <p:cNvSpPr/>
+          <p:nvPr/>
+        </p:nvSpPr>
+        <p:spPr>
+          <a:xfrm flipV="1">
+            <a:off x="5625815" y="2524114"/>
+            <a:ext cx="2772460" cy="1145906"/>
+          </a:xfrm>
+          <a:custGeom>
+            <a:avLst/>
+            <a:gdLst/>
+            <a:ahLst/>
+            <a:cxnLst>
+              <a:cxn ang="0">
+                <a:pos x="wd2" y="hd2"/>
+              </a:cxn>
+              <a:cxn ang="5400000">
+                <a:pos x="wd2" y="hd2"/>
+              </a:cxn>
+              <a:cxn ang="10800000">
+                <a:pos x="wd2" y="hd2"/>
+              </a:cxn>
+              <a:cxn ang="16200000">
+                <a:pos x="wd2" y="hd2"/>
+              </a:cxn>
+            </a:cxnLst>
+            <a:rect l="0" t="0" r="r" b="b"/>
+            <a:pathLst>
+              <a:path w="21600" h="21600" extrusionOk="0">
+                <a:moveTo>
+                  <a:pt x="4419" y="0"/>
+                </a:moveTo>
+                <a:cubicBezTo>
+                  <a:pt x="4147" y="0"/>
+                  <a:pt x="3927" y="1432"/>
+                  <a:pt x="3927" y="3205"/>
+                </a:cubicBezTo>
+                <a:lnTo>
+                  <a:pt x="3927" y="12665"/>
+                </a:lnTo>
+                <a:lnTo>
+                  <a:pt x="0" y="21600"/>
+                </a:lnTo>
+                <a:lnTo>
+                  <a:pt x="4297" y="17678"/>
+                </a:lnTo>
+                <a:cubicBezTo>
+                  <a:pt x="4337" y="17747"/>
+                  <a:pt x="4376" y="17841"/>
+                  <a:pt x="4419" y="17841"/>
+                </a:cubicBezTo>
+                <a:lnTo>
+                  <a:pt x="21106" y="17841"/>
+                </a:lnTo>
+                <a:cubicBezTo>
+                  <a:pt x="21379" y="17841"/>
+                  <a:pt x="21600" y="16408"/>
+                  <a:pt x="21600" y="14636"/>
+                </a:cubicBezTo>
+                <a:lnTo>
+                  <a:pt x="21600" y="3205"/>
+                </a:lnTo>
+                <a:cubicBezTo>
+                  <a:pt x="21600" y="1432"/>
+                  <a:pt x="21379" y="0"/>
+                  <a:pt x="21106" y="0"/>
+                </a:cubicBezTo>
+                <a:lnTo>
+                  <a:pt x="4419" y="0"/>
+                </a:lnTo>
+                <a:close/>
+              </a:path>
+            </a:pathLst>
+          </a:custGeom>
+          <a:blipFill>
+            <a:blip r:embed="rId4"/>
+          </a:blipFill>
+          <a:ln w="12700">
+            <a:miter lim="400000"/>
+          </a:ln>
+          <a:effectLst>
+            <a:outerShdw blurRad="25400" dist="25400" dir="2388334" rotWithShape="0">
+              <a:srgbClr val="000000">
+                <a:alpha val="79310"/>
+              </a:srgbClr>
+            </a:outerShdw>
+          </a:effectLst>
+          <a:extLst>
+            <a:ext uri="{C572A759-6A51-4108-AA02-DFA0A04FC94B}">
+              <ma14:wrappingTextBoxFlag xmlns:ma14="http://schemas.microsoft.com/office/mac/drawingml/2011/main" val="1"/>
+            </a:ext>
+          </a:extLst>
+        </p:spPr>
+        <p:txBody>
+          <a:bodyPr lIns="50800" tIns="50800" rIns="50800" bIns="50800" anchor="t"/>
+          <a:lstStyle/>
+          <a:p>
+            <a:pPr algn="r">
+              <a:defRPr sz="1800">
+                <a:solidFill>
+                  <a:srgbClr val="FFFFFF"/>
+                </a:solidFill>
+              </a:defRPr>
+            </a:pPr>
+            <a:endParaRPr b="1" i="1" dirty="0">
+              <a:latin typeface="Helvetica"/>
+              <a:ea typeface="Helvetica"/>
+              <a:cs typeface="Helvetica"/>
+              <a:sym typeface="Helvetica"/>
+            </a:endParaRPr>
+          </a:p>
+        </p:txBody>
+      </p:sp>
+      <p:sp>
+        <p:nvSpPr>
+          <p:cNvPr id="7" name="TextBox 6"/>
+          <p:cNvSpPr txBox="1"/>
+          <p:nvPr/>
+        </p:nvSpPr>
+        <p:spPr>
+          <a:xfrm>
+            <a:off x="6187019" y="2656833"/>
+            <a:ext cx="2121408" cy="1025922"/>
+          </a:xfrm>
+          <a:prstGeom prst="rect">
+            <a:avLst/>
+          </a:prstGeom>
+          <a:noFill/>
+          <a:ln w="12700" cap="flat">
+            <a:noFill/>
+            <a:miter lim="400000"/>
+          </a:ln>
+          <a:effectLst/>
+          <a:sp3d/>
+        </p:spPr>
+        <p:style>
+          <a:lnRef idx="0">
+            <a:scrgbClr r="0" g="0" b="0"/>
+          </a:lnRef>
+          <a:fillRef idx="0">
+            <a:scrgbClr r="0" g="0" b="0"/>
+          </a:fillRef>
+          <a:effectRef idx="0">
+            <a:scrgbClr r="0" g="0" b="0"/>
+          </a:effectRef>
+          <a:fontRef idx="none"/>
+        </p:style>
+        <p:txBody>
+          <a:bodyPr rot="0" spcFirstLastPara="1" vertOverflow="overflow" horzOverflow="overflow" vert="horz" wrap="square" lIns="50800" tIns="50800" rIns="50800" bIns="50800" numCol="1" spcCol="38100" rtlCol="0" anchor="ctr">
+            <a:spAutoFit/>
+          </a:bodyPr>
+          <a:lstStyle/>
+          <a:p>
+            <a:pPr marL="0" marR="0" indent="0" algn="ctr" defTabSz="584200" rtl="0" fontAlgn="auto" latinLnBrk="0" hangingPunct="0">
+              <a:lnSpc>
+                <a:spcPct val="100000"/>
+              </a:lnSpc>
+              <a:spcBef>
+                <a:spcPts val="0"/>
+              </a:spcBef>
+              <a:spcAft>
+                <a:spcPts val="0"/>
+              </a:spcAft>
+              <a:buClrTx/>
+              <a:buSzTx/>
+              <a:buFontTx/>
+              <a:buNone/>
+              <a:tabLst/>
+            </a:pPr>
+            <a:r>
+              <a:rPr kumimoji="0" lang="en-GB" sz="2000" b="0" i="0" u="none" strike="noStrike" cap="none" spc="0" normalizeH="0" baseline="0" dirty="0" smtClean="0">
+                <a:ln>
+                  <a:noFill/>
+                </a:ln>
+                <a:solidFill>
+                  <a:schemeClr val="bg1"/>
+                </a:solidFill>
+                <a:effectLst/>
+                <a:uFillTx/>
+                <a:latin typeface="+mn-lt"/>
+                <a:ea typeface="+mn-ea"/>
+                <a:cs typeface="+mn-cs"/>
+                <a:sym typeface="Helvetica Light"/>
+              </a:rPr>
+              <a:t>It can be difficult to remember to close the file</a:t>
+            </a:r>
+            <a:endParaRPr kumimoji="0" lang="en-US" sz="2000" i="0" u="none" strike="noStrike" cap="none" spc="0" normalizeH="0" baseline="0" dirty="0">
+              <a:ln>
+                <a:noFill/>
+              </a:ln>
+              <a:solidFill>
+                <a:schemeClr val="bg1"/>
+              </a:solidFill>
+              <a:effectLst/>
+              <a:uFillTx/>
+              <a:latin typeface="+mn-lt"/>
+              <a:ea typeface="+mn-ea"/>
+              <a:cs typeface="+mn-cs"/>
+              <a:sym typeface="Helvetica Light"/>
+            </a:endParaRPr>
+          </a:p>
+        </p:txBody>
+      </p:sp>
+      <p:sp>
+        <p:nvSpPr>
+          <p:cNvPr id="8" name="init functions is called, self.Num = 3 and self.Den = 4"/>
+          <p:cNvSpPr/>
+          <p:nvPr/>
+        </p:nvSpPr>
+        <p:spPr>
+          <a:xfrm flipH="1">
+            <a:off x="1142053" y="3236606"/>
+            <a:ext cx="2979683" cy="1145906"/>
+          </a:xfrm>
+          <a:custGeom>
+            <a:avLst/>
+            <a:gdLst/>
+            <a:ahLst/>
+            <a:cxnLst>
+              <a:cxn ang="0">
+                <a:pos x="wd2" y="hd2"/>
+              </a:cxn>
+              <a:cxn ang="5400000">
+                <a:pos x="wd2" y="hd2"/>
+              </a:cxn>
+              <a:cxn ang="10800000">
+                <a:pos x="wd2" y="hd2"/>
+              </a:cxn>
+              <a:cxn ang="16200000">
+                <a:pos x="wd2" y="hd2"/>
+              </a:cxn>
+            </a:cxnLst>
+            <a:rect l="0" t="0" r="r" b="b"/>
+            <a:pathLst>
+              <a:path w="21600" h="21600" extrusionOk="0">
+                <a:moveTo>
+                  <a:pt x="4419" y="0"/>
+                </a:moveTo>
+                <a:cubicBezTo>
+                  <a:pt x="4147" y="0"/>
+                  <a:pt x="3927" y="1432"/>
+                  <a:pt x="3927" y="3205"/>
+                </a:cubicBezTo>
+                <a:lnTo>
+                  <a:pt x="3927" y="12665"/>
+                </a:lnTo>
+                <a:lnTo>
+                  <a:pt x="0" y="21600"/>
+                </a:lnTo>
+                <a:lnTo>
+                  <a:pt x="4297" y="17678"/>
+                </a:lnTo>
+                <a:cubicBezTo>
+                  <a:pt x="4337" y="17747"/>
+                  <a:pt x="4376" y="17841"/>
+                  <a:pt x="4419" y="17841"/>
+                </a:cubicBezTo>
+                <a:lnTo>
+                  <a:pt x="21106" y="17841"/>
+                </a:lnTo>
+                <a:cubicBezTo>
+                  <a:pt x="21379" y="17841"/>
+                  <a:pt x="21600" y="16408"/>
+                  <a:pt x="21600" y="14636"/>
+                </a:cubicBezTo>
+                <a:lnTo>
+                  <a:pt x="21600" y="3205"/>
+                </a:lnTo>
+                <a:cubicBezTo>
+                  <a:pt x="21600" y="1432"/>
+                  <a:pt x="21379" y="0"/>
+                  <a:pt x="21106" y="0"/>
+                </a:cubicBezTo>
+                <a:lnTo>
+                  <a:pt x="4419" y="0"/>
+                </a:lnTo>
+                <a:close/>
+              </a:path>
+            </a:pathLst>
+          </a:custGeom>
+          <a:blipFill>
+            <a:blip r:embed="rId4"/>
+          </a:blipFill>
+          <a:ln w="12700">
+            <a:miter lim="400000"/>
+          </a:ln>
+          <a:effectLst>
+            <a:outerShdw blurRad="25400" dist="25400" dir="2388334" rotWithShape="0">
+              <a:srgbClr val="000000">
+                <a:alpha val="79310"/>
+              </a:srgbClr>
+            </a:outerShdw>
+          </a:effectLst>
+          <a:extLst>
+            <a:ext uri="{C572A759-6A51-4108-AA02-DFA0A04FC94B}">
+              <ma14:wrappingTextBoxFlag xmlns:ma14="http://schemas.microsoft.com/office/mac/drawingml/2011/main" val="1"/>
+            </a:ext>
+          </a:extLst>
+        </p:spPr>
+        <p:txBody>
+          <a:bodyPr lIns="50800" tIns="50800" rIns="50800" bIns="50800" anchor="t"/>
+          <a:lstStyle/>
+          <a:p>
+            <a:pPr algn="r">
+              <a:defRPr sz="1800">
+                <a:solidFill>
+                  <a:srgbClr val="FFFFFF"/>
+                </a:solidFill>
+              </a:defRPr>
+            </a:pPr>
+            <a:endParaRPr b="1" i="1" dirty="0">
+              <a:latin typeface="Helvetica"/>
+              <a:ea typeface="Helvetica"/>
+              <a:cs typeface="Helvetica"/>
+              <a:sym typeface="Helvetica"/>
+            </a:endParaRPr>
+          </a:p>
+        </p:txBody>
+      </p:sp>
+      <p:sp>
+        <p:nvSpPr>
+          <p:cNvPr id="9" name="TextBox 8"/>
+          <p:cNvSpPr txBox="1"/>
+          <p:nvPr/>
+        </p:nvSpPr>
+        <p:spPr>
+          <a:xfrm>
+            <a:off x="1142053" y="3334983"/>
+            <a:ext cx="2443597" cy="718145"/>
+          </a:xfrm>
+          <a:prstGeom prst="rect">
+            <a:avLst/>
+          </a:prstGeom>
+          <a:noFill/>
+          <a:ln w="12700" cap="flat">
+            <a:noFill/>
+            <a:miter lim="400000"/>
+          </a:ln>
+          <a:effectLst/>
+          <a:sp3d/>
+        </p:spPr>
+        <p:style>
+          <a:lnRef idx="0">
+            <a:scrgbClr r="0" g="0" b="0"/>
+          </a:lnRef>
+          <a:fillRef idx="0">
+            <a:scrgbClr r="0" g="0" b="0"/>
+          </a:fillRef>
+          <a:effectRef idx="0">
+            <a:scrgbClr r="0" g="0" b="0"/>
+          </a:effectRef>
+          <a:fontRef idx="none"/>
+        </p:style>
+        <p:txBody>
+          <a:bodyPr rot="0" spcFirstLastPara="1" vertOverflow="overflow" horzOverflow="overflow" vert="horz" wrap="square" lIns="50800" tIns="50800" rIns="50800" bIns="50800" numCol="1" spcCol="38100" rtlCol="0" anchor="ctr">
+            <a:spAutoFit/>
+          </a:bodyPr>
+          <a:lstStyle/>
+          <a:p>
+            <a:pPr marL="0" marR="0" indent="0" algn="ctr" defTabSz="584200" rtl="0" fontAlgn="auto" latinLnBrk="0" hangingPunct="0">
+              <a:lnSpc>
+                <a:spcPct val="100000"/>
+              </a:lnSpc>
+              <a:spcBef>
+                <a:spcPts val="0"/>
+              </a:spcBef>
+              <a:spcAft>
+                <a:spcPts val="0"/>
+              </a:spcAft>
+              <a:buClrTx/>
+              <a:buSzTx/>
+              <a:buFontTx/>
+              <a:buNone/>
+              <a:tabLst/>
+            </a:pPr>
+            <a:r>
+              <a:rPr lang="en-GB" sz="2000" b="1" i="1" dirty="0">
+                <a:solidFill>
+                  <a:schemeClr val="bg1"/>
+                </a:solidFill>
+                <a:sym typeface="Helvetica Light"/>
+              </a:rPr>
+              <a:t>w</a:t>
+            </a:r>
+            <a:r>
+              <a:rPr lang="en-GB" sz="2000" b="1" i="1" dirty="0" smtClean="0">
+                <a:solidFill>
+                  <a:schemeClr val="bg1"/>
+                </a:solidFill>
+                <a:sym typeface="Helvetica Light"/>
+              </a:rPr>
+              <a:t>ith open </a:t>
+            </a:r>
+            <a:r>
+              <a:rPr lang="en-GB" sz="2000" dirty="0" smtClean="0">
+                <a:solidFill>
+                  <a:schemeClr val="bg1"/>
+                </a:solidFill>
+                <a:sym typeface="Helvetica Light"/>
+              </a:rPr>
+              <a:t>opens the file</a:t>
+            </a:r>
+            <a:r>
+              <a:rPr lang="mr-IN" sz="2000" dirty="0" smtClean="0">
+                <a:solidFill>
+                  <a:schemeClr val="bg1"/>
+                </a:solidFill>
+                <a:sym typeface="Helvetica Light"/>
+              </a:rPr>
+              <a:t>…</a:t>
+            </a:r>
+            <a:r>
+              <a:rPr lang="en-GB" sz="2000" dirty="0" smtClean="0">
+                <a:solidFill>
+                  <a:schemeClr val="bg1"/>
+                </a:solidFill>
+                <a:sym typeface="Helvetica Light"/>
+              </a:rPr>
+              <a:t> </a:t>
+            </a:r>
+            <a:endParaRPr kumimoji="0" lang="en-US" sz="2000" i="0" u="none" strike="noStrike" cap="none" spc="0" normalizeH="0" baseline="0" dirty="0">
+              <a:ln>
+                <a:noFill/>
+              </a:ln>
+              <a:solidFill>
+                <a:schemeClr val="bg1"/>
+              </a:solidFill>
+              <a:effectLst/>
+              <a:uFillTx/>
+              <a:latin typeface="+mn-lt"/>
+              <a:ea typeface="+mn-ea"/>
+              <a:cs typeface="+mn-cs"/>
+              <a:sym typeface="Helvetica Light"/>
+            </a:endParaRPr>
+          </a:p>
+        </p:txBody>
+      </p:sp>
+      <p:sp>
+        <p:nvSpPr>
+          <p:cNvPr id="10" name="init functions is called, self.Num = 3 and self.Den = 4"/>
+          <p:cNvSpPr/>
+          <p:nvPr/>
+        </p:nvSpPr>
+        <p:spPr>
+          <a:xfrm flipH="1">
+            <a:off x="1224057" y="4441534"/>
+            <a:ext cx="2979683" cy="1145906"/>
+          </a:xfrm>
+          <a:custGeom>
+            <a:avLst/>
+            <a:gdLst/>
+            <a:ahLst/>
+            <a:cxnLst>
+              <a:cxn ang="0">
+                <a:pos x="wd2" y="hd2"/>
+              </a:cxn>
+              <a:cxn ang="5400000">
+                <a:pos x="wd2" y="hd2"/>
+              </a:cxn>
+              <a:cxn ang="10800000">
+                <a:pos x="wd2" y="hd2"/>
+              </a:cxn>
+              <a:cxn ang="16200000">
+                <a:pos x="wd2" y="hd2"/>
+              </a:cxn>
+            </a:cxnLst>
+            <a:rect l="0" t="0" r="r" b="b"/>
+            <a:pathLst>
+              <a:path w="21600" h="21600" extrusionOk="0">
+                <a:moveTo>
+                  <a:pt x="4419" y="0"/>
+                </a:moveTo>
+                <a:cubicBezTo>
+                  <a:pt x="4147" y="0"/>
+                  <a:pt x="3927" y="1432"/>
+                  <a:pt x="3927" y="3205"/>
+                </a:cubicBezTo>
+                <a:lnTo>
+                  <a:pt x="3927" y="12665"/>
+                </a:lnTo>
+                <a:lnTo>
+                  <a:pt x="0" y="21600"/>
+                </a:lnTo>
+                <a:lnTo>
+                  <a:pt x="4297" y="17678"/>
+                </a:lnTo>
+                <a:cubicBezTo>
+                  <a:pt x="4337" y="17747"/>
+                  <a:pt x="4376" y="17841"/>
+                  <a:pt x="4419" y="17841"/>
+                </a:cubicBezTo>
+                <a:lnTo>
+                  <a:pt x="21106" y="17841"/>
+                </a:lnTo>
+                <a:cubicBezTo>
+                  <a:pt x="21379" y="17841"/>
+                  <a:pt x="21600" y="16408"/>
+                  <a:pt x="21600" y="14636"/>
+                </a:cubicBezTo>
+                <a:lnTo>
+                  <a:pt x="21600" y="3205"/>
+                </a:lnTo>
+                <a:cubicBezTo>
+                  <a:pt x="21600" y="1432"/>
+                  <a:pt x="21379" y="0"/>
+                  <a:pt x="21106" y="0"/>
+                </a:cubicBezTo>
+                <a:lnTo>
+                  <a:pt x="4419" y="0"/>
+                </a:lnTo>
+                <a:close/>
+              </a:path>
+            </a:pathLst>
+          </a:custGeom>
+          <a:blipFill>
+            <a:blip r:embed="rId4"/>
+          </a:blipFill>
+          <a:ln w="12700">
+            <a:miter lim="400000"/>
+          </a:ln>
+          <a:effectLst>
+            <a:outerShdw blurRad="25400" dist="25400" dir="2388334" rotWithShape="0">
+              <a:srgbClr val="000000">
+                <a:alpha val="79310"/>
+              </a:srgbClr>
+            </a:outerShdw>
+          </a:effectLst>
+          <a:extLst>
+            <a:ext uri="{C572A759-6A51-4108-AA02-DFA0A04FC94B}">
+              <ma14:wrappingTextBoxFlag xmlns:ma14="http://schemas.microsoft.com/office/mac/drawingml/2011/main" val="1"/>
+            </a:ext>
+          </a:extLst>
+        </p:spPr>
+        <p:txBody>
+          <a:bodyPr lIns="50800" tIns="50800" rIns="50800" bIns="50800" anchor="t"/>
+          <a:lstStyle/>
+          <a:p>
+            <a:pPr algn="r">
+              <a:defRPr sz="1800">
+                <a:solidFill>
+                  <a:srgbClr val="FFFFFF"/>
+                </a:solidFill>
+              </a:defRPr>
+            </a:pPr>
+            <a:endParaRPr b="1" i="1" dirty="0">
+              <a:latin typeface="Helvetica"/>
+              <a:ea typeface="Helvetica"/>
+              <a:cs typeface="Helvetica"/>
+              <a:sym typeface="Helvetica"/>
+            </a:endParaRPr>
+          </a:p>
+        </p:txBody>
+      </p:sp>
+      <p:sp>
+        <p:nvSpPr>
+          <p:cNvPr id="11" name="TextBox 10"/>
+          <p:cNvSpPr txBox="1"/>
+          <p:nvPr/>
+        </p:nvSpPr>
+        <p:spPr>
+          <a:xfrm>
+            <a:off x="1224057" y="4386023"/>
+            <a:ext cx="2443597" cy="1025922"/>
+          </a:xfrm>
+          <a:prstGeom prst="rect">
+            <a:avLst/>
+          </a:prstGeom>
+          <a:noFill/>
+          <a:ln w="12700" cap="flat">
+            <a:noFill/>
+            <a:miter lim="400000"/>
+          </a:ln>
+          <a:effectLst/>
+          <a:sp3d/>
+        </p:spPr>
+        <p:style>
+          <a:lnRef idx="0">
+            <a:scrgbClr r="0" g="0" b="0"/>
+          </a:lnRef>
+          <a:fillRef idx="0">
+            <a:scrgbClr r="0" g="0" b="0"/>
+          </a:fillRef>
+          <a:effectRef idx="0">
+            <a:scrgbClr r="0" g="0" b="0"/>
+          </a:effectRef>
+          <a:fontRef idx="none"/>
+        </p:style>
+        <p:txBody>
+          <a:bodyPr rot="0" spcFirstLastPara="1" vertOverflow="overflow" horzOverflow="overflow" vert="horz" wrap="square" lIns="50800" tIns="50800" rIns="50800" bIns="50800" numCol="1" spcCol="38100" rtlCol="0" anchor="ctr">
+            <a:spAutoFit/>
+          </a:bodyPr>
+          <a:lstStyle/>
+          <a:p>
+            <a:pPr marL="0" marR="0" indent="0" algn="ctr" defTabSz="584200" rtl="0" fontAlgn="auto" latinLnBrk="0" hangingPunct="0">
+              <a:lnSpc>
+                <a:spcPct val="100000"/>
+              </a:lnSpc>
+              <a:spcBef>
+                <a:spcPts val="0"/>
+              </a:spcBef>
+              <a:spcAft>
+                <a:spcPts val="0"/>
+              </a:spcAft>
+              <a:buClrTx/>
+              <a:buSzTx/>
+              <a:buFontTx/>
+              <a:buNone/>
+              <a:tabLst/>
+            </a:pPr>
+            <a:r>
+              <a:rPr lang="mr-IN" sz="2000" dirty="0" smtClean="0">
+                <a:solidFill>
+                  <a:schemeClr val="bg1"/>
+                </a:solidFill>
+                <a:sym typeface="Helvetica Light"/>
+              </a:rPr>
+              <a:t>…</a:t>
+            </a:r>
+            <a:r>
+              <a:rPr lang="en-GB" sz="2000" dirty="0" smtClean="0">
+                <a:solidFill>
+                  <a:schemeClr val="bg1"/>
+                </a:solidFill>
+                <a:sym typeface="Helvetica Light"/>
+              </a:rPr>
+              <a:t>it is closed again automatically when the code unindents</a:t>
+            </a:r>
+            <a:endParaRPr kumimoji="0" lang="en-US" sz="2000" u="none" strike="noStrike" cap="none" spc="0" normalizeH="0" baseline="0" dirty="0">
+              <a:ln>
+                <a:noFill/>
+              </a:ln>
+              <a:solidFill>
+                <a:schemeClr val="bg1"/>
+              </a:solidFill>
+              <a:effectLst/>
+              <a:uFillTx/>
+              <a:sym typeface="Helvetica Light"/>
+            </a:endParaRPr>
+          </a:p>
+        </p:txBody>
+      </p:sp>
+      <p:pic>
+        <p:nvPicPr>
+          <p:cNvPr id="13" name="Picture 12"/>
+          <p:cNvPicPr>
+            <a:picLocks noChangeAspect="1"/>
+          </p:cNvPicPr>
+          <p:nvPr/>
+        </p:nvPicPr>
+        <p:blipFill>
+          <a:blip r:embed="rId5"/>
+          <a:stretch>
+            <a:fillRect/>
+          </a:stretch>
+        </p:blipFill>
+        <p:spPr>
+          <a:xfrm>
+            <a:off x="4227689" y="4302084"/>
+            <a:ext cx="4170586" cy="1502050"/>
+          </a:xfrm>
+          <a:prstGeom prst="rect">
+            <a:avLst/>
+          </a:prstGeom>
+        </p:spPr>
+      </p:pic>
+    </p:spTree>
+    <p:extLst>
+      <p:ext uri="{BB962C8B-B14F-4D97-AF65-F5344CB8AC3E}">
+        <p14:creationId xmlns:p14="http://schemas.microsoft.com/office/powerpoint/2010/main" val="1556588099"/>
+      </p:ext>
+    </p:extLst>
+  </p:cSld>
+  <p:clrMapOvr>
+    <a:masterClrMapping/>
+  </p:clrMapOvr>
+  <p:timing>
+    <p:tnLst>
+      <p:par>
+        <p:cTn id="1" dur="indefinite" restart="never" nodeType="tmRoot"/>
+      </p:par>
+    </p:tnLst>
+  </p:timing>
+</p:sld>
+</file>
+
+<file path=ppt/slides/slide14.xml><?xml version="1.0" encoding="utf-8"?>
+<p:sld xmlns:a="http://schemas.openxmlformats.org/drawingml/2006/main" xmlns:r="http://schemas.openxmlformats.org/officeDocument/2006/relationships" xmlns:p="http://schemas.openxmlformats.org/presentationml/2006/main">
+  <p:cSld>
+    <p:spTree>
+      <p:nvGrpSpPr>
+        <p:cNvPr id="1" name=""/>
+        <p:cNvGrpSpPr/>
+        <p:nvPr/>
+      </p:nvGrpSpPr>
+      <p:grpSpPr>
+        <a:xfrm>
+          <a:off x="0" y="0"/>
+          <a:ext cx="0" cy="0"/>
+          <a:chOff x="0" y="0"/>
+          <a:chExt cx="0" cy="0"/>
+        </a:xfrm>
+      </p:grpSpPr>
       <p:pic>
         <p:nvPicPr>
           <p:cNvPr id="3" name="Picture 2"/>
@@ -4555,10 +6636,17 @@
       <p:transition spd="slow"/>
     </mc:Fallback>
   </mc:AlternateContent>
+  <p:timing>
+    <p:tnLst>
+      <p:par>
+        <p:cTn id="1" dur="indefinite" restart="never" nodeType="tmRoot"/>
+      </p:par>
+    </p:tnLst>
+  </p:timing>
 </p:sld>
 </file>
 
-<file path=ppt/slides/slide11.xml><?xml version="1.0" encoding="utf-8"?>
+<file path=ppt/slides/slide15.xml><?xml version="1.0" encoding="utf-8"?>
 <p:sld xmlns:a="http://schemas.openxmlformats.org/drawingml/2006/main" xmlns:r="http://schemas.openxmlformats.org/officeDocument/2006/relationships" xmlns:p="http://schemas.openxmlformats.org/presentationml/2006/main">
   <p:cSld>
     <p:spTree>
@@ -5459,7 +7547,7 @@
 </p:sld>
 </file>
 
-<file path=ppt/slides/slide12.xml><?xml version="1.0" encoding="utf-8"?>
+<file path=ppt/slides/slide16.xml><?xml version="1.0" encoding="utf-8"?>
 <p:sld xmlns:a="http://schemas.openxmlformats.org/drawingml/2006/main" xmlns:r="http://schemas.openxmlformats.org/officeDocument/2006/relationships" xmlns:p="http://schemas.openxmlformats.org/presentationml/2006/main">
   <p:cSld>
     <p:spTree>
@@ -6428,7 +8516,7 @@
 </p:sld>
 </file>
 
-<file path=ppt/slides/slide13.xml><?xml version="1.0" encoding="utf-8"?>
+<file path=ppt/slides/slide17.xml><?xml version="1.0" encoding="utf-8"?>
 <p:sld xmlns:a="http://schemas.openxmlformats.org/drawingml/2006/main" xmlns:r="http://schemas.openxmlformats.org/officeDocument/2006/relationships" xmlns:p="http://schemas.openxmlformats.org/presentationml/2006/main">
   <p:cSld>
     <p:spTree>
@@ -7379,7 +9467,7 @@
 </p:sld>
 </file>
 
-<file path=ppt/slides/slide14.xml><?xml version="1.0" encoding="utf-8"?>
+<file path=ppt/slides/slide18.xml><?xml version="1.0" encoding="utf-8"?>
 <p:sld xmlns:a="http://schemas.openxmlformats.org/drawingml/2006/main" xmlns:r="http://schemas.openxmlformats.org/officeDocument/2006/relationships" xmlns:p="http://schemas.openxmlformats.org/presentationml/2006/main">
   <p:cSld>
     <p:spTree>
@@ -7988,6 +10076,207 @@
       </p:grpSpPr>
       <p:sp>
         <p:nvSpPr>
+          <p:cNvPr id="119" name="Introduction to Computer Programming Lecture 2:…"/>
+          <p:cNvSpPr txBox="1">
+            <a:spLocks noGrp="1"/>
+          </p:cNvSpPr>
+          <p:nvPr>
+            <p:ph type="ctrTitle"/>
+          </p:nvPr>
+        </p:nvSpPr>
+        <p:spPr>
+          <a:xfrm>
+            <a:off x="2255044" y="1296954"/>
+            <a:ext cx="7358063" cy="2321719"/>
+          </a:xfrm>
+          <a:prstGeom prst="rect">
+            <a:avLst/>
+          </a:prstGeom>
+        </p:spPr>
+        <p:txBody>
+          <a:bodyPr>
+            <a:normAutofit fontScale="90000"/>
+          </a:bodyPr>
+          <a:lstStyle/>
+          <a:p>
+            <a:pPr defTabSz="213590">
+              <a:defRPr sz="4160"/>
+            </a:pPr>
+            <a:r>
+              <a:rPr dirty="0"/>
+              <a:t>Introduction to Computer Programming Lecture </a:t>
+            </a:r>
+            <a:r>
+              <a:rPr lang="en-GB" dirty="0" smtClean="0"/>
+              <a:t>6.1.a</a:t>
+            </a:r>
+            <a:r>
+              <a:rPr dirty="0" smtClean="0"/>
+              <a:t>:</a:t>
+            </a:r>
+            <a:endParaRPr dirty="0"/>
+          </a:p>
+          <a:p>
+            <a:pPr defTabSz="213590">
+              <a:defRPr sz="4160"/>
+            </a:pPr>
+            <a:r>
+              <a:rPr dirty="0"/>
+              <a:t> </a:t>
+            </a:r>
+          </a:p>
+          <a:p>
+            <a:pPr defTabSz="213590">
+              <a:defRPr sz="4160" b="1">
+                <a:latin typeface="Helvetica"/>
+                <a:ea typeface="Helvetica"/>
+                <a:cs typeface="Helvetica"/>
+                <a:sym typeface="Helvetica"/>
+              </a:defRPr>
+            </a:pPr>
+            <a:r>
+              <a:rPr lang="en-US" dirty="0"/>
+              <a:t>Reading and </a:t>
+            </a:r>
+            <a:r>
+              <a:rPr lang="en-US" dirty="0" smtClean="0"/>
+              <a:t>Writing Files</a:t>
+            </a:r>
+            <a:endParaRPr dirty="0"/>
+          </a:p>
+        </p:txBody>
+      </p:sp>
+      <p:sp>
+        <p:nvSpPr>
+          <p:cNvPr id="120" name="Department of Engineering Mathematics"/>
+          <p:cNvSpPr txBox="1"/>
+          <p:nvPr/>
+        </p:nvSpPr>
+        <p:spPr>
+          <a:xfrm>
+            <a:off x="2112169" y="4870361"/>
+            <a:ext cx="7358063" cy="794743"/>
+          </a:xfrm>
+          <a:prstGeom prst="rect">
+            <a:avLst/>
+          </a:prstGeom>
+          <a:ln w="12700">
+            <a:miter lim="400000"/>
+          </a:ln>
+          <a:extLst>
+            <a:ext uri="{C572A759-6A51-4108-AA02-DFA0A04FC94B}">
+              <ma14:wrappingTextBoxFlag xmlns:ma14="http://schemas.microsoft.com/office/mac/drawingml/2011/main" val="1"/>
+            </a:ext>
+          </a:extLst>
+        </p:spPr>
+        <p:txBody>
+          <a:bodyPr lIns="35719" tIns="35719" rIns="35719" bIns="35719">
+            <a:normAutofit/>
+          </a:bodyPr>
+          <a:lstStyle/>
+          <a:p>
+            <a:pPr algn="ctr" defTabSz="221806">
+              <a:defRPr sz="2268"/>
+            </a:pPr>
+            <a:r>
+              <a:rPr sz="1595" dirty="0"/>
+              <a:t>Department of Engineering Mathematics</a:t>
+            </a:r>
+          </a:p>
+          <a:p>
+            <a:pPr defTabSz="221806">
+              <a:defRPr sz="2268"/>
+            </a:pPr>
+            <a:endParaRPr sz="1595" dirty="0"/>
+          </a:p>
+        </p:txBody>
+      </p:sp>
+      <p:sp>
+        <p:nvSpPr>
+          <p:cNvPr id="122" name="Helmut Hauser"/>
+          <p:cNvSpPr txBox="1"/>
+          <p:nvPr/>
+        </p:nvSpPr>
+        <p:spPr>
+          <a:xfrm>
+            <a:off x="2255044" y="4472990"/>
+            <a:ext cx="7358063" cy="794742"/>
+          </a:xfrm>
+          <a:prstGeom prst="rect">
+            <a:avLst/>
+          </a:prstGeom>
+          <a:ln w="12700">
+            <a:miter lim="400000"/>
+          </a:ln>
+          <a:extLst>
+            <a:ext uri="{C572A759-6A51-4108-AA02-DFA0A04FC94B}">
+              <ma14:wrappingTextBoxFlag xmlns:ma14="http://schemas.microsoft.com/office/mac/drawingml/2011/main" val="1"/>
+            </a:ext>
+          </a:extLst>
+        </p:spPr>
+        <p:txBody>
+          <a:bodyPr lIns="35719" tIns="35719" rIns="35719" bIns="35719">
+            <a:normAutofit/>
+          </a:bodyPr>
+          <a:lstStyle/>
+          <a:p>
+            <a:pPr algn="ctr" defTabSz="221806">
+              <a:defRPr sz="3294"/>
+            </a:pPr>
+            <a:r>
+              <a:rPr lang="en-GB" sz="2316" dirty="0"/>
+              <a:t>Hemma Philamore </a:t>
+            </a:r>
+            <a:endParaRPr sz="2316" dirty="0"/>
+          </a:p>
+          <a:p>
+            <a:pPr defTabSz="221806">
+              <a:defRPr sz="1728"/>
+            </a:pPr>
+            <a:endParaRPr sz="1215" dirty="0"/>
+          </a:p>
+        </p:txBody>
+      </p:sp>
+    </p:spTree>
+    <p:extLst>
+      <p:ext uri="{BB962C8B-B14F-4D97-AF65-F5344CB8AC3E}">
+        <p14:creationId xmlns:p14="http://schemas.microsoft.com/office/powerpoint/2010/main" val="1876622108"/>
+      </p:ext>
+    </p:extLst>
+  </p:cSld>
+  <p:clrMapOvr>
+    <a:masterClrMapping/>
+  </p:clrMapOvr>
+  <mc:AlternateContent xmlns:mc="http://schemas.openxmlformats.org/markup-compatibility/2006" xmlns:p14="http://schemas.microsoft.com/office/powerpoint/2010/main">
+    <mc:Choice Requires="p14">
+      <p:transition spd="slow" p14:dur="2000"/>
+    </mc:Choice>
+    <mc:Fallback xmlns="">
+      <p:transition spd="slow"/>
+    </mc:Fallback>
+  </mc:AlternateContent>
+</p:sld>
+</file>
+
+<file path=ppt/slides/slide3.xml><?xml version="1.0" encoding="utf-8"?>
+<p:sld xmlns:a="http://schemas.openxmlformats.org/drawingml/2006/main" xmlns:r="http://schemas.openxmlformats.org/officeDocument/2006/relationships" xmlns:p="http://schemas.openxmlformats.org/presentationml/2006/main">
+  <p:cSld>
+    <p:spTree>
+      <p:nvGrpSpPr>
+        <p:cNvPr id="1" name=""/>
+        <p:cNvGrpSpPr/>
+        <p:nvPr/>
+      </p:nvGrpSpPr>
+      <p:grpSpPr>
+        <a:xfrm>
+          <a:off x="0" y="0"/>
+          <a:ext cx="0" cy="0"/>
+          <a:chOff x="0" y="0"/>
+          <a:chExt cx="0" cy="0"/>
+        </a:xfrm>
+      </p:grpSpPr>
+      <p:sp>
+        <p:nvSpPr>
           <p:cNvPr id="3" name="Reading/Writing files"/>
           <p:cNvSpPr txBox="1"/>
           <p:nvPr/>
@@ -8246,7 +10535,7 @@
 </p:sld>
 </file>
 
-<file path=ppt/slides/slide3.xml><?xml version="1.0" encoding="utf-8"?>
+<file path=ppt/slides/slide4.xml><?xml version="1.0" encoding="utf-8"?>
 <p:sld xmlns:a="http://schemas.openxmlformats.org/drawingml/2006/main" xmlns:r="http://schemas.openxmlformats.org/officeDocument/2006/relationships" xmlns:p="http://schemas.openxmlformats.org/presentationml/2006/main">
   <p:cSld>
     <p:spTree>
@@ -8517,7 +10806,7 @@
 </p:sld>
 </file>
 
-<file path=ppt/slides/slide4.xml><?xml version="1.0" encoding="utf-8"?>
+<file path=ppt/slides/slide5.xml><?xml version="1.0" encoding="utf-8"?>
 <p:sld xmlns:a="http://schemas.openxmlformats.org/drawingml/2006/main" xmlns:r="http://schemas.openxmlformats.org/officeDocument/2006/relationships" xmlns:p="http://schemas.openxmlformats.org/presentationml/2006/main">
   <p:cSld>
     <p:spTree>
@@ -10155,7 +12444,7 @@
 </p:sld>
 </file>
 
-<file path=ppt/slides/slide5.xml><?xml version="1.0" encoding="utf-8"?>
+<file path=ppt/slides/slide6.xml><?xml version="1.0" encoding="utf-8"?>
 <p:sld xmlns:a="http://schemas.openxmlformats.org/drawingml/2006/main" xmlns:r="http://schemas.openxmlformats.org/officeDocument/2006/relationships" xmlns:p="http://schemas.openxmlformats.org/presentationml/2006/main">
   <p:cSld>
     <p:spTree>
@@ -10729,7 +13018,7 @@
 </p:sld>
 </file>
 
-<file path=ppt/slides/slide6.xml><?xml version="1.0" encoding="utf-8"?>
+<file path=ppt/slides/slide7.xml><?xml version="1.0" encoding="utf-8"?>
 <p:sld xmlns:a="http://schemas.openxmlformats.org/drawingml/2006/main" xmlns:r="http://schemas.openxmlformats.org/officeDocument/2006/relationships" xmlns:p="http://schemas.openxmlformats.org/presentationml/2006/main">
   <p:cSld>
     <p:spTree>
@@ -11715,7 +14004,7 @@
 </p:sld>
 </file>
 
-<file path=ppt/slides/slide7.xml><?xml version="1.0" encoding="utf-8"?>
+<file path=ppt/slides/slide8.xml><?xml version="1.0" encoding="utf-8"?>
 <p:sld xmlns:a="http://schemas.openxmlformats.org/drawingml/2006/main" xmlns:r="http://schemas.openxmlformats.org/officeDocument/2006/relationships" xmlns:p="http://schemas.openxmlformats.org/presentationml/2006/main">
   <p:cSld>
     <p:spTree>
@@ -12511,7 +14800,7 @@
 </p:sld>
 </file>
 
-<file path=ppt/slides/slide8.xml><?xml version="1.0" encoding="utf-8"?>
+<file path=ppt/slides/slide9.xml><?xml version="1.0" encoding="utf-8"?>
 <p:sld xmlns:a="http://schemas.openxmlformats.org/drawingml/2006/main" xmlns:r="http://schemas.openxmlformats.org/officeDocument/2006/relationships" xmlns:p="http://schemas.openxmlformats.org/presentationml/2006/main">
   <p:cSld>
     <p:spTree>
@@ -12575,7 +14864,7 @@
         </p:blipFill>
         <p:spPr>
           <a:xfrm>
-            <a:off x="2617076" y="1651657"/>
+            <a:off x="4087061" y="1838427"/>
             <a:ext cx="5174339" cy="4339240"/>
           </a:xfrm>
           <a:prstGeom prst="rect">
@@ -12591,7 +14880,7 @@
         </p:nvSpPr>
         <p:spPr>
           <a:xfrm>
-            <a:off x="2617076" y="4225158"/>
+            <a:off x="4087061" y="4411928"/>
             <a:ext cx="5174339" cy="1765739"/>
           </a:xfrm>
           <a:prstGeom prst="roundRect">
@@ -12632,8 +14921,8 @@
         </p:nvSpPr>
         <p:spPr>
           <a:xfrm>
-            <a:off x="4862420" y="1987109"/>
-            <a:ext cx="4786075" cy="1145906"/>
+            <a:off x="6320830" y="2245489"/>
+            <a:ext cx="4786075" cy="1115686"/>
           </a:xfrm>
           <a:custGeom>
             <a:avLst/>
@@ -12748,8 +15037,8 @@
         </p:nvSpPr>
         <p:spPr>
           <a:xfrm>
-            <a:off x="5696039" y="1912486"/>
-            <a:ext cx="3952456" cy="1025922"/>
+            <a:off x="7285172" y="2245489"/>
+            <a:ext cx="3952456" cy="933589"/>
           </a:xfrm>
           <a:prstGeom prst="rect">
             <a:avLst/>
@@ -12797,7 +15086,7 @@
               <a:tabLst/>
             </a:pPr>
             <a:r>
-              <a:rPr kumimoji="0" lang="en-GB" sz="2000" b="0" i="0" u="none" strike="noStrike" cap="none" spc="0" normalizeH="0" baseline="0" dirty="0" smtClean="0">
+              <a:rPr kumimoji="0" lang="en-GB" b="0" i="0" u="none" strike="noStrike" cap="none" spc="0" normalizeH="0" baseline="0" dirty="0" smtClean="0">
                 <a:ln>
                   <a:noFill/>
                 </a:ln>
@@ -12814,7 +15103,7 @@
               <a:t>Split divides</a:t>
             </a:r>
             <a:r>
-              <a:rPr kumimoji="0" lang="en-GB" sz="2000" b="0" i="0" u="none" strike="noStrike" cap="none" spc="0" normalizeH="0" dirty="0" smtClean="0">
+              <a:rPr kumimoji="0" lang="en-GB" b="0" i="0" u="none" strike="noStrike" cap="none" spc="0" normalizeH="0" dirty="0" smtClean="0">
                 <a:ln>
                   <a:noFill/>
                 </a:ln>
@@ -12828,9 +15117,9 @@
                 <a:cs typeface="+mn-cs"/>
                 <a:sym typeface="Helvetica Light"/>
               </a:rPr>
-              <a:t> items separated by spaces into string items of list. Alternative delimiter can be selected</a:t>
-            </a:r>
-            <a:endParaRPr kumimoji="0" lang="en-US" sz="2000" i="0" u="none" strike="noStrike" cap="none" spc="0" normalizeH="0" baseline="0" dirty="0">
+              <a:t> the line: items separated by spaces, into string items of list. Alternative delimiter can be selected</a:t>
+            </a:r>
+            <a:endParaRPr kumimoji="0" lang="en-US" i="0" u="none" strike="noStrike" cap="none" spc="0" normalizeH="0" baseline="0" dirty="0">
               <a:ln>
                 <a:noFill/>
               </a:ln>
@@ -12855,7 +15144,7 @@
         </p:nvSpPr>
         <p:spPr>
           <a:xfrm>
-            <a:off x="7939562" y="4595066"/>
+            <a:off x="9409547" y="4781836"/>
             <a:ext cx="1560785" cy="1025922"/>
           </a:xfrm>
           <a:prstGeom prst="rect">
@@ -12937,105 +15226,16 @@
           </a:p>
         </p:txBody>
       </p:sp>
-    </p:spTree>
-    <p:extLst>
-      <p:ext uri="{BB962C8B-B14F-4D97-AF65-F5344CB8AC3E}">
-        <p14:creationId xmlns:p14="http://schemas.microsoft.com/office/powerpoint/2010/main" val="1756335633"/>
-      </p:ext>
-    </p:extLst>
-  </p:cSld>
-  <p:clrMapOvr>
-    <a:masterClrMapping/>
-  </p:clrMapOvr>
-</p:sld>
-</file>
-
-<file path=ppt/slides/slide9.xml><?xml version="1.0" encoding="utf-8"?>
-<p:sld xmlns:a="http://schemas.openxmlformats.org/drawingml/2006/main" xmlns:r="http://schemas.openxmlformats.org/officeDocument/2006/relationships" xmlns:p="http://schemas.openxmlformats.org/presentationml/2006/main">
-  <p:cSld>
-    <p:spTree>
-      <p:nvGrpSpPr>
-        <p:cNvPr id="1" name=""/>
-        <p:cNvGrpSpPr/>
-        <p:nvPr/>
-      </p:nvGrpSpPr>
-      <p:grpSpPr>
-        <a:xfrm>
-          <a:off x="0" y="0"/>
-          <a:ext cx="0" cy="0"/>
-          <a:chOff x="0" y="0"/>
-          <a:chExt cx="0" cy="0"/>
-        </a:xfrm>
-      </p:grpSpPr>
-      <p:pic>
-        <p:nvPicPr>
-          <p:cNvPr id="12" name="Picture 11"/>
-          <p:cNvPicPr>
-            <a:picLocks noChangeAspect="1"/>
-          </p:cNvPicPr>
-          <p:nvPr/>
-        </p:nvPicPr>
-        <p:blipFill>
-          <a:blip r:embed="rId3"/>
-          <a:stretch>
-            <a:fillRect/>
-          </a:stretch>
-        </p:blipFill>
-        <p:spPr>
-          <a:xfrm>
-            <a:off x="4256144" y="1335372"/>
-            <a:ext cx="3786581" cy="1308726"/>
-          </a:xfrm>
-          <a:prstGeom prst="rect">
-            <a:avLst/>
-          </a:prstGeom>
-        </p:spPr>
-      </p:pic>
-      <p:sp>
-        <p:nvSpPr>
-          <p:cNvPr id="3" name="TextBox 2"/>
-          <p:cNvSpPr txBox="1"/>
-          <p:nvPr/>
-        </p:nvSpPr>
-        <p:spPr>
-          <a:xfrm>
-            <a:off x="1923393" y="252249"/>
-            <a:ext cx="8150772" cy="769441"/>
-          </a:xfrm>
-          <a:prstGeom prst="rect">
-            <a:avLst/>
-          </a:prstGeom>
-          <a:noFill/>
-        </p:spPr>
-        <p:txBody>
-          <a:bodyPr wrap="square" rtlCol="0">
-            <a:spAutoFit/>
-          </a:bodyPr>
-          <a:lstStyle/>
-          <a:p>
-            <a:pPr algn="ctr"/>
-            <a:r>
-              <a:rPr lang="en-US" sz="4400" dirty="0" smtClean="0"/>
-              <a:t>Automatically close files using </a:t>
-            </a:r>
-            <a:r>
-              <a:rPr lang="en-US" sz="4400" b="1" dirty="0" smtClean="0"/>
-              <a:t>with</a:t>
-            </a:r>
-            <a:endParaRPr lang="en-US" sz="4400" b="1" dirty="0"/>
-          </a:p>
-        </p:txBody>
-      </p:sp>
-      <p:sp>
-        <p:nvSpPr>
-          <p:cNvPr id="6" name="init functions is called, self.Num = 3 and self.Den = 4"/>
+      <p:sp>
+        <p:nvSpPr>
+          <p:cNvPr id="8" name="init functions is called, self.Num = 3 and self.Den = 4"/>
           <p:cNvSpPr/>
           <p:nvPr/>
         </p:nvSpPr>
         <p:spPr>
-          <a:xfrm flipV="1">
-            <a:off x="5625815" y="2524114"/>
-            <a:ext cx="2772460" cy="1145906"/>
+          <a:xfrm flipH="1">
+            <a:off x="1404777" y="2423740"/>
+            <a:ext cx="2772460" cy="701437"/>
           </a:xfrm>
           <a:custGeom>
             <a:avLst/>
@@ -13104,7 +15304,7 @@
             </a:pathLst>
           </a:custGeom>
           <a:blipFill>
-            <a:blip r:embed="rId4"/>
+            <a:blip r:embed="rId3"/>
           </a:blipFill>
           <a:ln w="12700">
             <a:miter lim="400000"/>
@@ -13144,14 +15344,14 @@
       </p:sp>
       <p:sp>
         <p:nvSpPr>
-          <p:cNvPr id="7" name="TextBox 6"/>
+          <p:cNvPr id="9" name="TextBox 8"/>
           <p:cNvSpPr txBox="1"/>
           <p:nvPr/>
         </p:nvSpPr>
         <p:spPr>
           <a:xfrm>
-            <a:off x="6187019" y="2656833"/>
-            <a:ext cx="2121408" cy="1025922"/>
+            <a:off x="1552419" y="2522487"/>
+            <a:ext cx="2052471" cy="379591"/>
           </a:xfrm>
           <a:prstGeom prst="rect">
             <a:avLst/>
@@ -13182,7 +15382,7 @@
           </a:bodyPr>
           <a:lstStyle/>
           <a:p>
-            <a:pPr marL="0" marR="0" indent="0" algn="ctr" defTabSz="584200" rtl="0" fontAlgn="auto" latinLnBrk="0" hangingPunct="0">
+            <a:pPr marL="0" marR="0" indent="0" defTabSz="584200" rtl="0" fontAlgn="auto" latinLnBrk="0" hangingPunct="0">
               <a:lnSpc>
                 <a:spcPct val="100000"/>
               </a:lnSpc>
@@ -13199,7 +15399,7 @@
               <a:tabLst/>
             </a:pPr>
             <a:r>
-              <a:rPr kumimoji="0" lang="en-GB" sz="2000" b="0" i="0" u="none" strike="noStrike" cap="none" spc="0" normalizeH="0" baseline="0" dirty="0" smtClean="0">
+              <a:rPr kumimoji="0" lang="en-GB" b="0" i="0" u="none" strike="noStrike" cap="none" spc="0" normalizeH="0" baseline="0" dirty="0" smtClean="0">
                 <a:ln>
                   <a:noFill/>
                 </a:ln>
@@ -13213,9 +15413,9 @@
                 <a:cs typeface="+mn-cs"/>
                 <a:sym typeface="Helvetica Light"/>
               </a:rPr>
-              <a:t>It can be difficult to remember to close the file</a:t>
-            </a:r>
-            <a:endParaRPr kumimoji="0" lang="en-US" sz="2000" i="0" u="none" strike="noStrike" cap="none" spc="0" normalizeH="0" baseline="0" dirty="0">
+              <a:t>Each line is a string</a:t>
+            </a:r>
+            <a:endParaRPr kumimoji="0" lang="en-US" i="0" u="none" strike="noStrike" cap="none" spc="0" normalizeH="0" baseline="0" dirty="0">
               <a:ln>
                 <a:noFill/>
               </a:ln>
@@ -13232,478 +15432,23 @@
           </a:p>
         </p:txBody>
       </p:sp>
-      <p:sp>
-        <p:nvSpPr>
-          <p:cNvPr id="8" name="init functions is called, self.Num = 3 and self.Den = 4"/>
-          <p:cNvSpPr/>
-          <p:nvPr/>
-        </p:nvSpPr>
-        <p:spPr>
-          <a:xfrm flipH="1">
-            <a:off x="1142053" y="3236606"/>
-            <a:ext cx="2979683" cy="1145906"/>
-          </a:xfrm>
-          <a:custGeom>
-            <a:avLst/>
-            <a:gdLst/>
-            <a:ahLst/>
-            <a:cxnLst>
-              <a:cxn ang="0">
-                <a:pos x="wd2" y="hd2"/>
-              </a:cxn>
-              <a:cxn ang="5400000">
-                <a:pos x="wd2" y="hd2"/>
-              </a:cxn>
-              <a:cxn ang="10800000">
-                <a:pos x="wd2" y="hd2"/>
-              </a:cxn>
-              <a:cxn ang="16200000">
-                <a:pos x="wd2" y="hd2"/>
-              </a:cxn>
-            </a:cxnLst>
-            <a:rect l="0" t="0" r="r" b="b"/>
-            <a:pathLst>
-              <a:path w="21600" h="21600" extrusionOk="0">
-                <a:moveTo>
-                  <a:pt x="4419" y="0"/>
-                </a:moveTo>
-                <a:cubicBezTo>
-                  <a:pt x="4147" y="0"/>
-                  <a:pt x="3927" y="1432"/>
-                  <a:pt x="3927" y="3205"/>
-                </a:cubicBezTo>
-                <a:lnTo>
-                  <a:pt x="3927" y="12665"/>
-                </a:lnTo>
-                <a:lnTo>
-                  <a:pt x="0" y="21600"/>
-                </a:lnTo>
-                <a:lnTo>
-                  <a:pt x="4297" y="17678"/>
-                </a:lnTo>
-                <a:cubicBezTo>
-                  <a:pt x="4337" y="17747"/>
-                  <a:pt x="4376" y="17841"/>
-                  <a:pt x="4419" y="17841"/>
-                </a:cubicBezTo>
-                <a:lnTo>
-                  <a:pt x="21106" y="17841"/>
-                </a:lnTo>
-                <a:cubicBezTo>
-                  <a:pt x="21379" y="17841"/>
-                  <a:pt x="21600" y="16408"/>
-                  <a:pt x="21600" y="14636"/>
-                </a:cubicBezTo>
-                <a:lnTo>
-                  <a:pt x="21600" y="3205"/>
-                </a:lnTo>
-                <a:cubicBezTo>
-                  <a:pt x="21600" y="1432"/>
-                  <a:pt x="21379" y="0"/>
-                  <a:pt x="21106" y="0"/>
-                </a:cubicBezTo>
-                <a:lnTo>
-                  <a:pt x="4419" y="0"/>
-                </a:lnTo>
-                <a:close/>
-              </a:path>
-            </a:pathLst>
-          </a:custGeom>
-          <a:blipFill>
-            <a:blip r:embed="rId4"/>
-          </a:blipFill>
-          <a:ln w="12700">
-            <a:miter lim="400000"/>
-          </a:ln>
-          <a:effectLst>
-            <a:outerShdw blurRad="25400" dist="25400" dir="2388334" rotWithShape="0">
-              <a:srgbClr val="000000">
-                <a:alpha val="79310"/>
-              </a:srgbClr>
-            </a:outerShdw>
-          </a:effectLst>
-          <a:extLst>
-            <a:ext uri="{C572A759-6A51-4108-AA02-DFA0A04FC94B}">
-              <ma14:wrappingTextBoxFlag xmlns:ma14="http://schemas.microsoft.com/office/mac/drawingml/2011/main" val="1"/>
-            </a:ext>
-          </a:extLst>
-        </p:spPr>
-        <p:txBody>
-          <a:bodyPr lIns="50800" tIns="50800" rIns="50800" bIns="50800" anchor="t"/>
-          <a:lstStyle/>
-          <a:p>
-            <a:pPr algn="r">
-              <a:defRPr sz="1800">
-                <a:solidFill>
-                  <a:srgbClr val="FFFFFF"/>
-                </a:solidFill>
-              </a:defRPr>
-            </a:pPr>
-            <a:endParaRPr b="1" i="1" dirty="0">
-              <a:latin typeface="Helvetica"/>
-              <a:ea typeface="Helvetica"/>
-              <a:cs typeface="Helvetica"/>
-              <a:sym typeface="Helvetica"/>
-            </a:endParaRPr>
-          </a:p>
-        </p:txBody>
-      </p:sp>
-      <p:sp>
-        <p:nvSpPr>
-          <p:cNvPr id="9" name="TextBox 8"/>
-          <p:cNvSpPr txBox="1"/>
-          <p:nvPr/>
-        </p:nvSpPr>
-        <p:spPr>
-          <a:xfrm>
-            <a:off x="1142053" y="3334983"/>
-            <a:ext cx="2443597" cy="718145"/>
-          </a:xfrm>
-          <a:prstGeom prst="rect">
-            <a:avLst/>
-          </a:prstGeom>
-          <a:noFill/>
-          <a:ln w="12700" cap="flat">
-            <a:noFill/>
-            <a:miter lim="400000"/>
-          </a:ln>
-          <a:effectLst/>
-          <a:sp3d/>
-        </p:spPr>
-        <p:style>
-          <a:lnRef idx="0">
-            <a:scrgbClr r="0" g="0" b="0"/>
-          </a:lnRef>
-          <a:fillRef idx="0">
-            <a:scrgbClr r="0" g="0" b="0"/>
-          </a:fillRef>
-          <a:effectRef idx="0">
-            <a:scrgbClr r="0" g="0" b="0"/>
-          </a:effectRef>
-          <a:fontRef idx="none"/>
-        </p:style>
-        <p:txBody>
-          <a:bodyPr rot="0" spcFirstLastPara="1" vertOverflow="overflow" horzOverflow="overflow" vert="horz" wrap="square" lIns="50800" tIns="50800" rIns="50800" bIns="50800" numCol="1" spcCol="38100" rtlCol="0" anchor="ctr">
-            <a:spAutoFit/>
-          </a:bodyPr>
-          <a:lstStyle/>
-          <a:p>
-            <a:pPr marL="0" marR="0" indent="0" algn="ctr" defTabSz="584200" rtl="0" fontAlgn="auto" latinLnBrk="0" hangingPunct="0">
-              <a:lnSpc>
-                <a:spcPct val="100000"/>
-              </a:lnSpc>
-              <a:spcBef>
-                <a:spcPts val="0"/>
-              </a:spcBef>
-              <a:spcAft>
-                <a:spcPts val="0"/>
-              </a:spcAft>
-              <a:buClrTx/>
-              <a:buSzTx/>
-              <a:buFontTx/>
-              <a:buNone/>
-              <a:tabLst/>
-            </a:pPr>
-            <a:r>
-              <a:rPr lang="en-GB" sz="2000" b="1" i="1" dirty="0">
-                <a:solidFill>
-                  <a:schemeClr val="bg1"/>
-                </a:solidFill>
-                <a:sym typeface="Helvetica Light"/>
-              </a:rPr>
-              <a:t>w</a:t>
-            </a:r>
-            <a:r>
-              <a:rPr lang="en-GB" sz="2000" b="1" i="1" dirty="0" smtClean="0">
-                <a:solidFill>
-                  <a:schemeClr val="bg1"/>
-                </a:solidFill>
-                <a:sym typeface="Helvetica Light"/>
-              </a:rPr>
-              <a:t>ith open </a:t>
-            </a:r>
-            <a:r>
-              <a:rPr lang="en-GB" sz="2000" dirty="0" smtClean="0">
-                <a:solidFill>
-                  <a:schemeClr val="bg1"/>
-                </a:solidFill>
-                <a:sym typeface="Helvetica Light"/>
-              </a:rPr>
-              <a:t>opens the file</a:t>
-            </a:r>
-            <a:r>
-              <a:rPr lang="mr-IN" sz="2000" dirty="0" smtClean="0">
-                <a:solidFill>
-                  <a:schemeClr val="bg1"/>
-                </a:solidFill>
-                <a:sym typeface="Helvetica Light"/>
-              </a:rPr>
-              <a:t>…</a:t>
-            </a:r>
-            <a:r>
-              <a:rPr lang="en-GB" sz="2000" dirty="0" smtClean="0">
-                <a:solidFill>
-                  <a:schemeClr val="bg1"/>
-                </a:solidFill>
-                <a:sym typeface="Helvetica Light"/>
-              </a:rPr>
-              <a:t> </a:t>
-            </a:r>
-            <a:endParaRPr kumimoji="0" lang="en-US" sz="2000" i="0" u="none" strike="noStrike" cap="none" spc="0" normalizeH="0" baseline="0" dirty="0">
-              <a:ln>
-                <a:noFill/>
-              </a:ln>
-              <a:solidFill>
-                <a:schemeClr val="bg1"/>
-              </a:solidFill>
-              <a:effectLst/>
-              <a:uFillTx/>
-              <a:latin typeface="+mn-lt"/>
-              <a:ea typeface="+mn-ea"/>
-              <a:cs typeface="+mn-cs"/>
-              <a:sym typeface="Helvetica Light"/>
-            </a:endParaRPr>
-          </a:p>
-        </p:txBody>
-      </p:sp>
-      <p:sp>
-        <p:nvSpPr>
-          <p:cNvPr id="10" name="init functions is called, self.Num = 3 and self.Den = 4"/>
-          <p:cNvSpPr/>
-          <p:nvPr/>
-        </p:nvSpPr>
-        <p:spPr>
-          <a:xfrm flipH="1">
-            <a:off x="1224057" y="4441534"/>
-            <a:ext cx="2979683" cy="1145906"/>
-          </a:xfrm>
-          <a:custGeom>
-            <a:avLst/>
-            <a:gdLst/>
-            <a:ahLst/>
-            <a:cxnLst>
-              <a:cxn ang="0">
-                <a:pos x="wd2" y="hd2"/>
-              </a:cxn>
-              <a:cxn ang="5400000">
-                <a:pos x="wd2" y="hd2"/>
-              </a:cxn>
-              <a:cxn ang="10800000">
-                <a:pos x="wd2" y="hd2"/>
-              </a:cxn>
-              <a:cxn ang="16200000">
-                <a:pos x="wd2" y="hd2"/>
-              </a:cxn>
-            </a:cxnLst>
-            <a:rect l="0" t="0" r="r" b="b"/>
-            <a:pathLst>
-              <a:path w="21600" h="21600" extrusionOk="0">
-                <a:moveTo>
-                  <a:pt x="4419" y="0"/>
-                </a:moveTo>
-                <a:cubicBezTo>
-                  <a:pt x="4147" y="0"/>
-                  <a:pt x="3927" y="1432"/>
-                  <a:pt x="3927" y="3205"/>
-                </a:cubicBezTo>
-                <a:lnTo>
-                  <a:pt x="3927" y="12665"/>
-                </a:lnTo>
-                <a:lnTo>
-                  <a:pt x="0" y="21600"/>
-                </a:lnTo>
-                <a:lnTo>
-                  <a:pt x="4297" y="17678"/>
-                </a:lnTo>
-                <a:cubicBezTo>
-                  <a:pt x="4337" y="17747"/>
-                  <a:pt x="4376" y="17841"/>
-                  <a:pt x="4419" y="17841"/>
-                </a:cubicBezTo>
-                <a:lnTo>
-                  <a:pt x="21106" y="17841"/>
-                </a:lnTo>
-                <a:cubicBezTo>
-                  <a:pt x="21379" y="17841"/>
-                  <a:pt x="21600" y="16408"/>
-                  <a:pt x="21600" y="14636"/>
-                </a:cubicBezTo>
-                <a:lnTo>
-                  <a:pt x="21600" y="3205"/>
-                </a:lnTo>
-                <a:cubicBezTo>
-                  <a:pt x="21600" y="1432"/>
-                  <a:pt x="21379" y="0"/>
-                  <a:pt x="21106" y="0"/>
-                </a:cubicBezTo>
-                <a:lnTo>
-                  <a:pt x="4419" y="0"/>
-                </a:lnTo>
-                <a:close/>
-              </a:path>
-            </a:pathLst>
-          </a:custGeom>
-          <a:blipFill>
-            <a:blip r:embed="rId4"/>
-          </a:blipFill>
-          <a:ln w="12700">
-            <a:miter lim="400000"/>
-          </a:ln>
-          <a:effectLst>
-            <a:outerShdw blurRad="25400" dist="25400" dir="2388334" rotWithShape="0">
-              <a:srgbClr val="000000">
-                <a:alpha val="79310"/>
-              </a:srgbClr>
-            </a:outerShdw>
-          </a:effectLst>
-          <a:extLst>
-            <a:ext uri="{C572A759-6A51-4108-AA02-DFA0A04FC94B}">
-              <ma14:wrappingTextBoxFlag xmlns:ma14="http://schemas.microsoft.com/office/mac/drawingml/2011/main" val="1"/>
-            </a:ext>
-          </a:extLst>
-        </p:spPr>
-        <p:txBody>
-          <a:bodyPr lIns="50800" tIns="50800" rIns="50800" bIns="50800" anchor="t"/>
-          <a:lstStyle/>
-          <a:p>
-            <a:pPr algn="r">
-              <a:defRPr sz="1800">
-                <a:solidFill>
-                  <a:srgbClr val="FFFFFF"/>
-                </a:solidFill>
-              </a:defRPr>
-            </a:pPr>
-            <a:endParaRPr b="1" i="1" dirty="0">
-              <a:latin typeface="Helvetica"/>
-              <a:ea typeface="Helvetica"/>
-              <a:cs typeface="Helvetica"/>
-              <a:sym typeface="Helvetica"/>
-            </a:endParaRPr>
-          </a:p>
-        </p:txBody>
-      </p:sp>
-      <p:sp>
-        <p:nvSpPr>
-          <p:cNvPr id="11" name="TextBox 10"/>
-          <p:cNvSpPr txBox="1"/>
-          <p:nvPr/>
-        </p:nvSpPr>
-        <p:spPr>
-          <a:xfrm>
-            <a:off x="1224057" y="4386023"/>
-            <a:ext cx="2443597" cy="1025922"/>
-          </a:xfrm>
-          <a:prstGeom prst="rect">
-            <a:avLst/>
-          </a:prstGeom>
-          <a:noFill/>
-          <a:ln w="12700" cap="flat">
-            <a:noFill/>
-            <a:miter lim="400000"/>
-          </a:ln>
-          <a:effectLst/>
-          <a:sp3d/>
-        </p:spPr>
-        <p:style>
-          <a:lnRef idx="0">
-            <a:scrgbClr r="0" g="0" b="0"/>
-          </a:lnRef>
-          <a:fillRef idx="0">
-            <a:scrgbClr r="0" g="0" b="0"/>
-          </a:fillRef>
-          <a:effectRef idx="0">
-            <a:scrgbClr r="0" g="0" b="0"/>
-          </a:effectRef>
-          <a:fontRef idx="none"/>
-        </p:style>
-        <p:txBody>
-          <a:bodyPr rot="0" spcFirstLastPara="1" vertOverflow="overflow" horzOverflow="overflow" vert="horz" wrap="square" lIns="50800" tIns="50800" rIns="50800" bIns="50800" numCol="1" spcCol="38100" rtlCol="0" anchor="ctr">
-            <a:spAutoFit/>
-          </a:bodyPr>
-          <a:lstStyle/>
-          <a:p>
-            <a:pPr marL="0" marR="0" indent="0" algn="ctr" defTabSz="584200" rtl="0" fontAlgn="auto" latinLnBrk="0" hangingPunct="0">
-              <a:lnSpc>
-                <a:spcPct val="100000"/>
-              </a:lnSpc>
-              <a:spcBef>
-                <a:spcPts val="0"/>
-              </a:spcBef>
-              <a:spcAft>
-                <a:spcPts val="0"/>
-              </a:spcAft>
-              <a:buClrTx/>
-              <a:buSzTx/>
-              <a:buFontTx/>
-              <a:buNone/>
-              <a:tabLst/>
-            </a:pPr>
-            <a:r>
-              <a:rPr lang="mr-IN" sz="2000" dirty="0" smtClean="0">
-                <a:solidFill>
-                  <a:schemeClr val="bg1"/>
-                </a:solidFill>
-                <a:sym typeface="Helvetica Light"/>
-              </a:rPr>
-              <a:t>…</a:t>
-            </a:r>
-            <a:r>
-              <a:rPr lang="en-GB" sz="2000" dirty="0" smtClean="0">
-                <a:solidFill>
-                  <a:schemeClr val="bg1"/>
-                </a:solidFill>
-                <a:sym typeface="Helvetica Light"/>
-              </a:rPr>
-              <a:t>it is closed again automatically when the code unindents</a:t>
-            </a:r>
-            <a:endParaRPr kumimoji="0" lang="en-US" sz="2000" u="none" strike="noStrike" cap="none" spc="0" normalizeH="0" baseline="0" dirty="0">
-              <a:ln>
-                <a:noFill/>
-              </a:ln>
-              <a:solidFill>
-                <a:schemeClr val="bg1"/>
-              </a:solidFill>
-              <a:effectLst/>
-              <a:uFillTx/>
-              <a:sym typeface="Helvetica Light"/>
-            </a:endParaRPr>
-          </a:p>
-        </p:txBody>
-      </p:sp>
-      <p:pic>
-        <p:nvPicPr>
-          <p:cNvPr id="13" name="Picture 12"/>
-          <p:cNvPicPr>
-            <a:picLocks noChangeAspect="1"/>
-          </p:cNvPicPr>
-          <p:nvPr/>
-        </p:nvPicPr>
-        <p:blipFill>
-          <a:blip r:embed="rId5"/>
-          <a:stretch>
-            <a:fillRect/>
-          </a:stretch>
-        </p:blipFill>
-        <p:spPr>
-          <a:xfrm>
-            <a:off x="4227689" y="4302084"/>
-            <a:ext cx="4170586" cy="1502050"/>
-          </a:xfrm>
-          <a:prstGeom prst="rect">
-            <a:avLst/>
-          </a:prstGeom>
-        </p:spPr>
-      </p:pic>
     </p:spTree>
     <p:extLst>
       <p:ext uri="{BB962C8B-B14F-4D97-AF65-F5344CB8AC3E}">
-        <p14:creationId xmlns:p14="http://schemas.microsoft.com/office/powerpoint/2010/main" val="1556588099"/>
+        <p14:creationId xmlns:p14="http://schemas.microsoft.com/office/powerpoint/2010/main" val="1756335633"/>
       </p:ext>
     </p:extLst>
   </p:cSld>
   <p:clrMapOvr>
     <a:masterClrMapping/>
   </p:clrMapOvr>
+  <p:timing>
+    <p:tnLst>
+      <p:par>
+        <p:cTn id="1" dur="indefinite" restart="never" nodeType="tmRoot"/>
+      </p:par>
+    </p:tnLst>
+  </p:timing>
 </p:sld>
 </file>
 
